--- a/Pantea Namiranian - INT499 Week 1 Assignment Part 1.pptx
+++ b/Pantea Namiranian - INT499 Week 1 Assignment Part 1.pptx
@@ -124,9 +124,1716 @@
 <file path=ppt/revisionInfo.xml><?xml version="1.0" encoding="utf-8"?>
 <p1510:revInfo xmlns:a="http://schemas.openxmlformats.org/drawingml/2006/main" xmlns:r="http://schemas.openxmlformats.org/officeDocument/2006/relationships" xmlns:p1510="http://schemas.microsoft.com/office/powerpoint/2015/10/main">
   <p1510:revLst>
-    <p1510:client id="{FE861508-9F77-ED00-AF46-458EDD68B466}" v="333" dt="2025-05-18T20:55:33.151"/>
+    <p1510:client id="{FE861508-9F77-ED00-AF46-458EDD68B466}" v="334" dt="2025-05-18T22:03:12.489"/>
   </p1510:revLst>
 </p1510:revInfo>
+</file>
+
+<file path=ppt/changesInfos/changesInfo1.xml><?xml version="1.0" encoding="utf-8"?>
+<pc:chgInfo xmlns:a="http://schemas.openxmlformats.org/drawingml/2006/main" xmlns:r="http://schemas.openxmlformats.org/officeDocument/2006/relationships" xmlns:ac="http://schemas.microsoft.com/office/drawing/2013/main/command" xmlns:pc="http://schemas.microsoft.com/office/powerpoint/2013/main/command">
+  <pc:docChgLst>
+    <pc:chgData name="Pantea Namiranian" userId="98c570e01b77e13a" providerId="Windows Live" clId="Web-{A2D86094-263E-E3F9-A1EB-793E1727422F}"/>
+    <pc:docChg chg="addSld modSld">
+      <pc:chgData name="Pantea Namiranian" userId="98c570e01b77e13a" providerId="Windows Live" clId="Web-{A2D86094-263E-E3F9-A1EB-793E1727422F}" dt="2025-05-14T03:04:56.860" v="431"/>
+      <pc:docMkLst>
+        <pc:docMk/>
+      </pc:docMkLst>
+      <pc:sldChg chg="addSp delSp modSp mod setBg">
+        <pc:chgData name="Pantea Namiranian" userId="98c570e01b77e13a" providerId="Windows Live" clId="Web-{A2D86094-263E-E3F9-A1EB-793E1727422F}" dt="2025-05-14T02:58:21.109" v="408"/>
+        <pc:sldMkLst>
+          <pc:docMk/>
+          <pc:sldMk cId="109857222" sldId="256"/>
+        </pc:sldMkLst>
+        <pc:spChg chg="mod">
+          <ac:chgData name="Pantea Namiranian" userId="98c570e01b77e13a" providerId="Windows Live" clId="Web-{A2D86094-263E-E3F9-A1EB-793E1727422F}" dt="2025-05-14T02:58:21.109" v="408"/>
+          <ac:spMkLst>
+            <pc:docMk/>
+            <pc:sldMk cId="109857222" sldId="256"/>
+            <ac:spMk id="2" creationId="{00000000-0000-0000-0000-000000000000}"/>
+          </ac:spMkLst>
+        </pc:spChg>
+        <pc:spChg chg="mod">
+          <ac:chgData name="Pantea Namiranian" userId="98c570e01b77e13a" providerId="Windows Live" clId="Web-{A2D86094-263E-E3F9-A1EB-793E1727422F}" dt="2025-05-14T02:58:21.109" v="408"/>
+          <ac:spMkLst>
+            <pc:docMk/>
+            <pc:sldMk cId="109857222" sldId="256"/>
+            <ac:spMk id="3" creationId="{00000000-0000-0000-0000-000000000000}"/>
+          </ac:spMkLst>
+        </pc:spChg>
+        <pc:spChg chg="add del">
+          <ac:chgData name="Pantea Namiranian" userId="98c570e01b77e13a" providerId="Windows Live" clId="Web-{A2D86094-263E-E3F9-A1EB-793E1727422F}" dt="2025-05-14T02:58:21.109" v="408"/>
+          <ac:spMkLst>
+            <pc:docMk/>
+            <pc:sldMk cId="109857222" sldId="256"/>
+            <ac:spMk id="8" creationId="{70DFC902-7D23-471A-B557-B6B6917D7A0D}"/>
+          </ac:spMkLst>
+        </pc:spChg>
+        <pc:spChg chg="add del">
+          <ac:chgData name="Pantea Namiranian" userId="98c570e01b77e13a" providerId="Windows Live" clId="Web-{A2D86094-263E-E3F9-A1EB-793E1727422F}" dt="2025-05-14T02:58:21.109" v="408"/>
+          <ac:spMkLst>
+            <pc:docMk/>
+            <pc:sldMk cId="109857222" sldId="256"/>
+            <ac:spMk id="10" creationId="{A55D5633-D557-4DCA-982C-FF36EB7A1C00}"/>
+          </ac:spMkLst>
+        </pc:spChg>
+        <pc:spChg chg="add del">
+          <ac:chgData name="Pantea Namiranian" userId="98c570e01b77e13a" providerId="Windows Live" clId="Web-{A2D86094-263E-E3F9-A1EB-793E1727422F}" dt="2025-05-14T02:58:21.109" v="408"/>
+          <ac:spMkLst>
+            <pc:docMk/>
+            <pc:sldMk cId="109857222" sldId="256"/>
+            <ac:spMk id="12" creationId="{450D3AD2-FA80-415F-A9CE-54D884561CD7}"/>
+          </ac:spMkLst>
+        </pc:spChg>
+        <pc:spChg chg="add">
+          <ac:chgData name="Pantea Namiranian" userId="98c570e01b77e13a" providerId="Windows Live" clId="Web-{A2D86094-263E-E3F9-A1EB-793E1727422F}" dt="2025-05-14T02:58:13.031" v="407"/>
+          <ac:spMkLst>
+            <pc:docMk/>
+            <pc:sldMk cId="109857222" sldId="256"/>
+            <ac:spMk id="17" creationId="{6F5A5072-7B47-4D32-B52A-4EBBF590B8A5}"/>
+          </ac:spMkLst>
+        </pc:spChg>
+        <pc:spChg chg="add del">
+          <ac:chgData name="Pantea Namiranian" userId="98c570e01b77e13a" providerId="Windows Live" clId="Web-{A2D86094-263E-E3F9-A1EB-793E1727422F}" dt="2025-05-14T02:58:21.109" v="408"/>
+          <ac:spMkLst>
+            <pc:docMk/>
+            <pc:sldMk cId="109857222" sldId="256"/>
+            <ac:spMk id="19" creationId="{9715DAF0-AE1B-46C9-8A6B-DB2AA05AB91D}"/>
+          </ac:spMkLst>
+        </pc:spChg>
+        <pc:spChg chg="add del">
+          <ac:chgData name="Pantea Namiranian" userId="98c570e01b77e13a" providerId="Windows Live" clId="Web-{A2D86094-263E-E3F9-A1EB-793E1727422F}" dt="2025-05-14T02:58:21.109" v="408"/>
+          <ac:spMkLst>
+            <pc:docMk/>
+            <pc:sldMk cId="109857222" sldId="256"/>
+            <ac:spMk id="21" creationId="{6016219D-510E-4184-9090-6D5578A87BD1}"/>
+          </ac:spMkLst>
+        </pc:spChg>
+        <pc:spChg chg="add del">
+          <ac:chgData name="Pantea Namiranian" userId="98c570e01b77e13a" providerId="Windows Live" clId="Web-{A2D86094-263E-E3F9-A1EB-793E1727422F}" dt="2025-05-14T02:58:21.109" v="408"/>
+          <ac:spMkLst>
+            <pc:docMk/>
+            <pc:sldMk cId="109857222" sldId="256"/>
+            <ac:spMk id="23" creationId="{AFF4A713-7B75-4B21-90D7-5AB19547C728}"/>
+          </ac:spMkLst>
+        </pc:spChg>
+        <pc:spChg chg="add del">
+          <ac:chgData name="Pantea Namiranian" userId="98c570e01b77e13a" providerId="Windows Live" clId="Web-{A2D86094-263E-E3F9-A1EB-793E1727422F}" dt="2025-05-14T02:58:21.109" v="408"/>
+          <ac:spMkLst>
+            <pc:docMk/>
+            <pc:sldMk cId="109857222" sldId="256"/>
+            <ac:spMk id="25" creationId="{DC631C0B-6DA6-4E57-8231-CE32B3434A7E}"/>
+          </ac:spMkLst>
+        </pc:spChg>
+        <pc:spChg chg="del">
+          <ac:chgData name="Pantea Namiranian" userId="98c570e01b77e13a" providerId="Windows Live" clId="Web-{A2D86094-263E-E3F9-A1EB-793E1727422F}" dt="2025-05-14T02:58:21.109" v="408"/>
+          <ac:spMkLst>
+            <pc:docMk/>
+            <pc:sldMk cId="109857222" sldId="256"/>
+            <ac:spMk id="27" creationId="{C29501E6-A978-4A61-9689-9085AF97A53A}"/>
+          </ac:spMkLst>
+        </pc:spChg>
+      </pc:sldChg>
+      <pc:sldChg chg="addSp delSp modSp new mod setBg modNotes">
+        <pc:chgData name="Pantea Namiranian" userId="98c570e01b77e13a" providerId="Windows Live" clId="Web-{A2D86094-263E-E3F9-A1EB-793E1727422F}" dt="2025-05-14T02:57:38.031" v="406"/>
+        <pc:sldMkLst>
+          <pc:docMk/>
+          <pc:sldMk cId="1415835211" sldId="257"/>
+        </pc:sldMkLst>
+        <pc:spChg chg="mod">
+          <ac:chgData name="Pantea Namiranian" userId="98c570e01b77e13a" providerId="Windows Live" clId="Web-{A2D86094-263E-E3F9-A1EB-793E1727422F}" dt="2025-05-14T02:57:38.031" v="406"/>
+          <ac:spMkLst>
+            <pc:docMk/>
+            <pc:sldMk cId="1415835211" sldId="257"/>
+            <ac:spMk id="2" creationId="{33E08100-5A74-BC56-90DD-519A116CB938}"/>
+          </ac:spMkLst>
+        </pc:spChg>
+        <pc:spChg chg="del mod">
+          <ac:chgData name="Pantea Namiranian" userId="98c570e01b77e13a" providerId="Windows Live" clId="Web-{A2D86094-263E-E3F9-A1EB-793E1727422F}" dt="2025-05-14T02:39:52.581" v="318"/>
+          <ac:spMkLst>
+            <pc:docMk/>
+            <pc:sldMk cId="1415835211" sldId="257"/>
+            <ac:spMk id="3" creationId="{D3F5287B-BA02-622E-D8A1-68BE74E4DE40}"/>
+          </ac:spMkLst>
+        </pc:spChg>
+        <pc:spChg chg="add del">
+          <ac:chgData name="Pantea Namiranian" userId="98c570e01b77e13a" providerId="Windows Live" clId="Web-{A2D86094-263E-E3F9-A1EB-793E1727422F}" dt="2025-05-14T02:54:39.454" v="399"/>
+          <ac:spMkLst>
+            <pc:docMk/>
+            <pc:sldMk cId="1415835211" sldId="257"/>
+            <ac:spMk id="9" creationId="{0C541B88-1AE9-40C3-AFD5-967787C1979F}"/>
+          </ac:spMkLst>
+        </pc:spChg>
+        <pc:spChg chg="add del">
+          <ac:chgData name="Pantea Namiranian" userId="98c570e01b77e13a" providerId="Windows Live" clId="Web-{A2D86094-263E-E3F9-A1EB-793E1727422F}" dt="2025-05-14T02:54:39.454" v="399"/>
+          <ac:spMkLst>
+            <pc:docMk/>
+            <pc:sldMk cId="1415835211" sldId="257"/>
+            <ac:spMk id="11" creationId="{E5F17139-31EE-46AC-B04F-DBBD852DD6CB}"/>
+          </ac:spMkLst>
+        </pc:spChg>
+        <pc:spChg chg="add del">
+          <ac:chgData name="Pantea Namiranian" userId="98c570e01b77e13a" providerId="Windows Live" clId="Web-{A2D86094-263E-E3F9-A1EB-793E1727422F}" dt="2025-05-14T02:54:39.454" v="399"/>
+          <ac:spMkLst>
+            <pc:docMk/>
+            <pc:sldMk cId="1415835211" sldId="257"/>
+            <ac:spMk id="17" creationId="{89D16701-DA76-4F72-BB63-E2C3FFBDFE0F}"/>
+          </ac:spMkLst>
+        </pc:spChg>
+        <pc:spChg chg="add del">
+          <ac:chgData name="Pantea Namiranian" userId="98c570e01b77e13a" providerId="Windows Live" clId="Web-{A2D86094-263E-E3F9-A1EB-793E1727422F}" dt="2025-05-14T02:54:39.454" v="399"/>
+          <ac:spMkLst>
+            <pc:docMk/>
+            <pc:sldMk cId="1415835211" sldId="257"/>
+            <ac:spMk id="19" creationId="{1CC28BE1-9DC6-43FE-9582-39F091098D77}"/>
+          </ac:spMkLst>
+        </pc:spChg>
+        <pc:spChg chg="add del">
+          <ac:chgData name="Pantea Namiranian" userId="98c570e01b77e13a" providerId="Windows Live" clId="Web-{A2D86094-263E-E3F9-A1EB-793E1727422F}" dt="2025-05-14T02:54:39.422" v="398"/>
+          <ac:spMkLst>
+            <pc:docMk/>
+            <pc:sldMk cId="1415835211" sldId="257"/>
+            <ac:spMk id="39" creationId="{955A2079-FA98-4876-80F0-72364A7D2EA4}"/>
+          </ac:spMkLst>
+        </pc:spChg>
+        <pc:spChg chg="add del">
+          <ac:chgData name="Pantea Namiranian" userId="98c570e01b77e13a" providerId="Windows Live" clId="Web-{A2D86094-263E-E3F9-A1EB-793E1727422F}" dt="2025-05-14T02:57:38.031" v="406"/>
+          <ac:spMkLst>
+            <pc:docMk/>
+            <pc:sldMk cId="1415835211" sldId="257"/>
+            <ac:spMk id="41" creationId="{066346BE-FDB4-4772-A696-0719490ABD64}"/>
+          </ac:spMkLst>
+        </pc:spChg>
+        <pc:spChg chg="add del">
+          <ac:chgData name="Pantea Namiranian" userId="98c570e01b77e13a" providerId="Windows Live" clId="Web-{A2D86094-263E-E3F9-A1EB-793E1727422F}" dt="2025-05-14T02:57:38.031" v="406"/>
+          <ac:spMkLst>
+            <pc:docMk/>
+            <pc:sldMk cId="1415835211" sldId="257"/>
+            <ac:spMk id="42" creationId="{81E1224E-6618-482E-BE87-321A7FC1CDE8}"/>
+          </ac:spMkLst>
+        </pc:spChg>
+        <pc:spChg chg="add del">
+          <ac:chgData name="Pantea Namiranian" userId="98c570e01b77e13a" providerId="Windows Live" clId="Web-{A2D86094-263E-E3F9-A1EB-793E1727422F}" dt="2025-05-14T02:57:38.031" v="406"/>
+          <ac:spMkLst>
+            <pc:docMk/>
+            <pc:sldMk cId="1415835211" sldId="257"/>
+            <ac:spMk id="43" creationId="{FB92FFCE-0C90-454E-AA25-D4EE9A6C39C5}"/>
+          </ac:spMkLst>
+        </pc:spChg>
+        <pc:spChg chg="add">
+          <ac:chgData name="Pantea Namiranian" userId="98c570e01b77e13a" providerId="Windows Live" clId="Web-{A2D86094-263E-E3F9-A1EB-793E1727422F}" dt="2025-05-14T02:57:38.031" v="406"/>
+          <ac:spMkLst>
+            <pc:docMk/>
+            <pc:sldMk cId="1415835211" sldId="257"/>
+            <ac:spMk id="48" creationId="{6C4028FD-8BAA-4A19-BFDE-594D991B7552}"/>
+          </ac:spMkLst>
+        </pc:spChg>
+        <pc:grpChg chg="add del">
+          <ac:chgData name="Pantea Namiranian" userId="98c570e01b77e13a" providerId="Windows Live" clId="Web-{A2D86094-263E-E3F9-A1EB-793E1727422F}" dt="2025-05-14T02:54:39.454" v="399"/>
+          <ac:grpSpMkLst>
+            <pc:docMk/>
+            <pc:sldMk cId="1415835211" sldId="257"/>
+            <ac:grpSpMk id="13" creationId="{7CF625D3-71A3-4F30-A096-8EF334E959D0}"/>
+          </ac:grpSpMkLst>
+        </pc:grpChg>
+        <pc:grpChg chg="add del">
+          <ac:chgData name="Pantea Namiranian" userId="98c570e01b77e13a" providerId="Windows Live" clId="Web-{A2D86094-263E-E3F9-A1EB-793E1727422F}" dt="2025-05-14T02:54:39.422" v="398"/>
+          <ac:grpSpMkLst>
+            <pc:docMk/>
+            <pc:sldMk cId="1415835211" sldId="257"/>
+            <ac:grpSpMk id="21" creationId="{AF9AF3F3-CE0C-4125-BDD7-346487FA0B40}"/>
+          </ac:grpSpMkLst>
+        </pc:grpChg>
+        <pc:graphicFrameChg chg="add mod modGraphic">
+          <ac:chgData name="Pantea Namiranian" userId="98c570e01b77e13a" providerId="Windows Live" clId="Web-{A2D86094-263E-E3F9-A1EB-793E1727422F}" dt="2025-05-14T02:57:38.031" v="406"/>
+          <ac:graphicFrameMkLst>
+            <pc:docMk/>
+            <pc:sldMk cId="1415835211" sldId="257"/>
+            <ac:graphicFrameMk id="5" creationId="{3EC490B8-11B0-2E85-6DB6-1B9A1DFAA2D4}"/>
+          </ac:graphicFrameMkLst>
+        </pc:graphicFrameChg>
+      </pc:sldChg>
+      <pc:sldChg chg="addSp delSp modSp new mod setBg modNotes">
+        <pc:chgData name="Pantea Namiranian" userId="98c570e01b77e13a" providerId="Windows Live" clId="Web-{A2D86094-263E-E3F9-A1EB-793E1727422F}" dt="2025-05-14T03:03:39.189" v="430"/>
+        <pc:sldMkLst>
+          <pc:docMk/>
+          <pc:sldMk cId="1544337107" sldId="258"/>
+        </pc:sldMkLst>
+        <pc:spChg chg="mod">
+          <ac:chgData name="Pantea Namiranian" userId="98c570e01b77e13a" providerId="Windows Live" clId="Web-{A2D86094-263E-E3F9-A1EB-793E1727422F}" dt="2025-05-14T02:51:24.579" v="387"/>
+          <ac:spMkLst>
+            <pc:docMk/>
+            <pc:sldMk cId="1544337107" sldId="258"/>
+            <ac:spMk id="2" creationId="{A54F0CAF-6F5C-0308-480E-F49D06DB6C63}"/>
+          </ac:spMkLst>
+        </pc:spChg>
+        <pc:spChg chg="add del mod">
+          <ac:chgData name="Pantea Namiranian" userId="98c570e01b77e13a" providerId="Windows Live" clId="Web-{A2D86094-263E-E3F9-A1EB-793E1727422F}" dt="2025-05-14T02:42:46.690" v="329"/>
+          <ac:spMkLst>
+            <pc:docMk/>
+            <pc:sldMk cId="1544337107" sldId="258"/>
+            <ac:spMk id="3" creationId="{AAED984B-7713-3A81-5270-F4AB82D720D9}"/>
+          </ac:spMkLst>
+        </pc:spChg>
+        <pc:spChg chg="add del">
+          <ac:chgData name="Pantea Namiranian" userId="98c570e01b77e13a" providerId="Windows Live" clId="Web-{A2D86094-263E-E3F9-A1EB-793E1727422F}" dt="2025-05-14T02:42:05.956" v="326"/>
+          <ac:spMkLst>
+            <pc:docMk/>
+            <pc:sldMk cId="1544337107" sldId="258"/>
+            <ac:spMk id="8" creationId="{777A147A-9ED8-46B4-8660-1B3C2AA880B5}"/>
+          </ac:spMkLst>
+        </pc:spChg>
+        <pc:spChg chg="add del">
+          <ac:chgData name="Pantea Namiranian" userId="98c570e01b77e13a" providerId="Windows Live" clId="Web-{A2D86094-263E-E3F9-A1EB-793E1727422F}" dt="2025-05-14T02:41:16.315" v="320"/>
+          <ac:spMkLst>
+            <pc:docMk/>
+            <pc:sldMk cId="1544337107" sldId="258"/>
+            <ac:spMk id="9" creationId="{BACC6370-2D7E-4714-9D71-7542949D7D5D}"/>
+          </ac:spMkLst>
+        </pc:spChg>
+        <pc:spChg chg="add del">
+          <ac:chgData name="Pantea Namiranian" userId="98c570e01b77e13a" providerId="Windows Live" clId="Web-{A2D86094-263E-E3F9-A1EB-793E1727422F}" dt="2025-05-14T02:41:20.127" v="322"/>
+          <ac:spMkLst>
+            <pc:docMk/>
+            <pc:sldMk cId="1544337107" sldId="258"/>
+            <ac:spMk id="10" creationId="{460B0EFB-53ED-4F35-B05D-F658EA021C65}"/>
+          </ac:spMkLst>
+        </pc:spChg>
+        <pc:spChg chg="add del">
+          <ac:chgData name="Pantea Namiranian" userId="98c570e01b77e13a" providerId="Windows Live" clId="Web-{A2D86094-263E-E3F9-A1EB-793E1727422F}" dt="2025-05-14T02:41:16.315" v="320"/>
+          <ac:spMkLst>
+            <pc:docMk/>
+            <pc:sldMk cId="1544337107" sldId="258"/>
+            <ac:spMk id="11" creationId="{F68B3F68-107C-434F-AA38-110D5EA91B85}"/>
+          </ac:spMkLst>
+        </pc:spChg>
+        <pc:spChg chg="add del">
+          <ac:chgData name="Pantea Namiranian" userId="98c570e01b77e13a" providerId="Windows Live" clId="Web-{A2D86094-263E-E3F9-A1EB-793E1727422F}" dt="2025-05-14T02:41:20.127" v="322"/>
+          <ac:spMkLst>
+            <pc:docMk/>
+            <pc:sldMk cId="1544337107" sldId="258"/>
+            <ac:spMk id="12" creationId="{835EF3DD-7D43-4A27-8967-A92FD8CC9365}"/>
+          </ac:spMkLst>
+        </pc:spChg>
+        <pc:spChg chg="add del">
+          <ac:chgData name="Pantea Namiranian" userId="98c570e01b77e13a" providerId="Windows Live" clId="Web-{A2D86094-263E-E3F9-A1EB-793E1727422F}" dt="2025-05-14T02:41:16.315" v="320"/>
+          <ac:spMkLst>
+            <pc:docMk/>
+            <pc:sldMk cId="1544337107" sldId="258"/>
+            <ac:spMk id="13" creationId="{AAD0DBB9-1A4B-4391-81D4-CB19F9AB918A}"/>
+          </ac:spMkLst>
+        </pc:spChg>
+        <pc:spChg chg="add del">
+          <ac:chgData name="Pantea Namiranian" userId="98c570e01b77e13a" providerId="Windows Live" clId="Web-{A2D86094-263E-E3F9-A1EB-793E1727422F}" dt="2025-05-14T02:41:16.315" v="320"/>
+          <ac:spMkLst>
+            <pc:docMk/>
+            <pc:sldMk cId="1544337107" sldId="258"/>
+            <ac:spMk id="15" creationId="{063BBA22-50EA-4C4D-BE05-F1CE4E63AA56}"/>
+          </ac:spMkLst>
+        </pc:spChg>
+        <pc:spChg chg="add del">
+          <ac:chgData name="Pantea Namiranian" userId="98c570e01b77e13a" providerId="Windows Live" clId="Web-{A2D86094-263E-E3F9-A1EB-793E1727422F}" dt="2025-05-14T02:41:53.816" v="324"/>
+          <ac:spMkLst>
+            <pc:docMk/>
+            <pc:sldMk cId="1544337107" sldId="258"/>
+            <ac:spMk id="19" creationId="{C05CBC3C-2E5A-4839-8B9B-2E5A6ADF0F58}"/>
+          </ac:spMkLst>
+        </pc:spChg>
+        <pc:spChg chg="add del">
+          <ac:chgData name="Pantea Namiranian" userId="98c570e01b77e13a" providerId="Windows Live" clId="Web-{A2D86094-263E-E3F9-A1EB-793E1727422F}" dt="2025-05-14T02:41:53.816" v="324"/>
+          <ac:spMkLst>
+            <pc:docMk/>
+            <pc:sldMk cId="1544337107" sldId="258"/>
+            <ac:spMk id="20" creationId="{DB5B423A-57CC-4C58-AA26-8E2E862B03A0}"/>
+          </ac:spMkLst>
+        </pc:spChg>
+        <pc:spChg chg="add del">
+          <ac:chgData name="Pantea Namiranian" userId="98c570e01b77e13a" providerId="Windows Live" clId="Web-{A2D86094-263E-E3F9-A1EB-793E1727422F}" dt="2025-05-14T02:42:05.956" v="326"/>
+          <ac:spMkLst>
+            <pc:docMk/>
+            <pc:sldMk cId="1544337107" sldId="258"/>
+            <ac:spMk id="23" creationId="{5D6C15A0-C087-4593-8414-2B4EC1CDC3DE}"/>
+          </ac:spMkLst>
+        </pc:spChg>
+        <pc:spChg chg="add del">
+          <ac:chgData name="Pantea Namiranian" userId="98c570e01b77e13a" providerId="Windows Live" clId="Web-{A2D86094-263E-E3F9-A1EB-793E1727422F}" dt="2025-05-14T02:42:05.956" v="326"/>
+          <ac:spMkLst>
+            <pc:docMk/>
+            <pc:sldMk cId="1544337107" sldId="258"/>
+            <ac:spMk id="24" creationId="{AAED984B-7713-3A81-5270-F4AB82D720D9}"/>
+          </ac:spMkLst>
+        </pc:spChg>
+        <pc:spChg chg="add del">
+          <ac:chgData name="Pantea Namiranian" userId="98c570e01b77e13a" providerId="Windows Live" clId="Web-{A2D86094-263E-E3F9-A1EB-793E1727422F}" dt="2025-05-14T02:51:24.579" v="387"/>
+          <ac:spMkLst>
+            <pc:docMk/>
+            <pc:sldMk cId="1544337107" sldId="258"/>
+            <ac:spMk id="28" creationId="{A7AE9375-4664-4DB2-922D-2782A6E439AC}"/>
+          </ac:spMkLst>
+        </pc:spChg>
+        <pc:spChg chg="add del">
+          <ac:chgData name="Pantea Namiranian" userId="98c570e01b77e13a" providerId="Windows Live" clId="Web-{A2D86094-263E-E3F9-A1EB-793E1727422F}" dt="2025-05-14T02:51:24.579" v="387"/>
+          <ac:spMkLst>
+            <pc:docMk/>
+            <pc:sldMk cId="1544337107" sldId="258"/>
+            <ac:spMk id="30" creationId="{AAED984B-7713-3A81-5270-F4AB82D720D9}"/>
+          </ac:spMkLst>
+        </pc:spChg>
+        <pc:spChg chg="add del">
+          <ac:chgData name="Pantea Namiranian" userId="98c570e01b77e13a" providerId="Windows Live" clId="Web-{A2D86094-263E-E3F9-A1EB-793E1727422F}" dt="2025-05-14T02:51:24.579" v="387"/>
+          <ac:spMkLst>
+            <pc:docMk/>
+            <pc:sldMk cId="1544337107" sldId="258"/>
+            <ac:spMk id="31" creationId="{9DD005C1-8C51-42D6-9BEE-B9B83849743D}"/>
+          </ac:spMkLst>
+        </pc:spChg>
+        <pc:spChg chg="add del">
+          <ac:chgData name="Pantea Namiranian" userId="98c570e01b77e13a" providerId="Windows Live" clId="Web-{A2D86094-263E-E3F9-A1EB-793E1727422F}" dt="2025-05-14T02:52:20.876" v="391"/>
+          <ac:spMkLst>
+            <pc:docMk/>
+            <pc:sldMk cId="1544337107" sldId="258"/>
+            <ac:spMk id="38" creationId="{DB304A14-32D0-4873-B914-423ED7B8DAFD}"/>
+          </ac:spMkLst>
+        </pc:spChg>
+        <pc:spChg chg="add del">
+          <ac:chgData name="Pantea Namiranian" userId="98c570e01b77e13a" providerId="Windows Live" clId="Web-{A2D86094-263E-E3F9-A1EB-793E1727422F}" dt="2025-05-14T02:52:20.876" v="391"/>
+          <ac:spMkLst>
+            <pc:docMk/>
+            <pc:sldMk cId="1544337107" sldId="258"/>
+            <ac:spMk id="40" creationId="{1D460C86-854F-4FB3-ABC2-E823D8FEB9DB}"/>
+          </ac:spMkLst>
+        </pc:spChg>
+        <pc:spChg chg="add del">
+          <ac:chgData name="Pantea Namiranian" userId="98c570e01b77e13a" providerId="Windows Live" clId="Web-{A2D86094-263E-E3F9-A1EB-793E1727422F}" dt="2025-05-14T02:52:20.876" v="391"/>
+          <ac:spMkLst>
+            <pc:docMk/>
+            <pc:sldMk cId="1544337107" sldId="258"/>
+            <ac:spMk id="42" creationId="{BB48116A-278A-4CC5-89D3-9DE8E8FF1245}"/>
+          </ac:spMkLst>
+        </pc:spChg>
+        <pc:spChg chg="add del">
+          <ac:chgData name="Pantea Namiranian" userId="98c570e01b77e13a" providerId="Windows Live" clId="Web-{A2D86094-263E-E3F9-A1EB-793E1727422F}" dt="2025-05-14T02:52:20.798" v="390"/>
+          <ac:spMkLst>
+            <pc:docMk/>
+            <pc:sldMk cId="1544337107" sldId="258"/>
+            <ac:spMk id="47" creationId="{DB304A14-32D0-4873-B914-423ED7B8DAFD}"/>
+          </ac:spMkLst>
+        </pc:spChg>
+        <pc:spChg chg="add del">
+          <ac:chgData name="Pantea Namiranian" userId="98c570e01b77e13a" providerId="Windows Live" clId="Web-{A2D86094-263E-E3F9-A1EB-793E1727422F}" dt="2025-05-14T02:52:20.798" v="390"/>
+          <ac:spMkLst>
+            <pc:docMk/>
+            <pc:sldMk cId="1544337107" sldId="258"/>
+            <ac:spMk id="49" creationId="{1D460C86-854F-4FB3-ABC2-E823D8FEB9DB}"/>
+          </ac:spMkLst>
+        </pc:spChg>
+        <pc:spChg chg="add del">
+          <ac:chgData name="Pantea Namiranian" userId="98c570e01b77e13a" providerId="Windows Live" clId="Web-{A2D86094-263E-E3F9-A1EB-793E1727422F}" dt="2025-05-14T02:52:20.798" v="390"/>
+          <ac:spMkLst>
+            <pc:docMk/>
+            <pc:sldMk cId="1544337107" sldId="258"/>
+            <ac:spMk id="51" creationId="{BB48116A-278A-4CC5-89D3-9DE8E8FF1245}"/>
+          </ac:spMkLst>
+        </pc:spChg>
+        <pc:spChg chg="add">
+          <ac:chgData name="Pantea Namiranian" userId="98c570e01b77e13a" providerId="Windows Live" clId="Web-{A2D86094-263E-E3F9-A1EB-793E1727422F}" dt="2025-05-14T02:52:20.876" v="391"/>
+          <ac:spMkLst>
+            <pc:docMk/>
+            <pc:sldMk cId="1544337107" sldId="258"/>
+            <ac:spMk id="53" creationId="{DB304A14-32D0-4873-B914-423ED7B8DAFD}"/>
+          </ac:spMkLst>
+        </pc:spChg>
+        <pc:spChg chg="add">
+          <ac:chgData name="Pantea Namiranian" userId="98c570e01b77e13a" providerId="Windows Live" clId="Web-{A2D86094-263E-E3F9-A1EB-793E1727422F}" dt="2025-05-14T02:52:20.876" v="391"/>
+          <ac:spMkLst>
+            <pc:docMk/>
+            <pc:sldMk cId="1544337107" sldId="258"/>
+            <ac:spMk id="54" creationId="{1D460C86-854F-4FB3-ABC2-E823D8FEB9DB}"/>
+          </ac:spMkLst>
+        </pc:spChg>
+        <pc:spChg chg="add">
+          <ac:chgData name="Pantea Namiranian" userId="98c570e01b77e13a" providerId="Windows Live" clId="Web-{A2D86094-263E-E3F9-A1EB-793E1727422F}" dt="2025-05-14T02:52:20.876" v="391"/>
+          <ac:spMkLst>
+            <pc:docMk/>
+            <pc:sldMk cId="1544337107" sldId="258"/>
+            <ac:spMk id="55" creationId="{BB48116A-278A-4CC5-89D3-9DE8E8FF1245}"/>
+          </ac:spMkLst>
+        </pc:spChg>
+        <pc:graphicFrameChg chg="add del">
+          <ac:chgData name="Pantea Namiranian" userId="98c570e01b77e13a" providerId="Windows Live" clId="Web-{A2D86094-263E-E3F9-A1EB-793E1727422F}" dt="2025-05-14T02:41:16.315" v="320"/>
+          <ac:graphicFrameMkLst>
+            <pc:docMk/>
+            <pc:sldMk cId="1544337107" sldId="258"/>
+            <ac:graphicFrameMk id="5" creationId="{A9FB3D68-A78D-9DBD-9744-E49808BFD089}"/>
+          </ac:graphicFrameMkLst>
+        </pc:graphicFrameChg>
+        <pc:graphicFrameChg chg="add del">
+          <ac:chgData name="Pantea Namiranian" userId="98c570e01b77e13a" providerId="Windows Live" clId="Web-{A2D86094-263E-E3F9-A1EB-793E1727422F}" dt="2025-05-14T02:41:20.127" v="322"/>
+          <ac:graphicFrameMkLst>
+            <pc:docMk/>
+            <pc:sldMk cId="1544337107" sldId="258"/>
+            <ac:graphicFrameMk id="17" creationId="{0BFBFA66-B68D-1D89-B142-32C6495843F6}"/>
+          </ac:graphicFrameMkLst>
+        </pc:graphicFrameChg>
+        <pc:graphicFrameChg chg="add del">
+          <ac:chgData name="Pantea Namiranian" userId="98c570e01b77e13a" providerId="Windows Live" clId="Web-{A2D86094-263E-E3F9-A1EB-793E1727422F}" dt="2025-05-14T02:41:53.816" v="324"/>
+          <ac:graphicFrameMkLst>
+            <pc:docMk/>
+            <pc:sldMk cId="1544337107" sldId="258"/>
+            <ac:graphicFrameMk id="21" creationId="{1FAFF256-12E2-F93D-02C3-81AD5D98F2FE}"/>
+          </ac:graphicFrameMkLst>
+        </pc:graphicFrameChg>
+        <pc:graphicFrameChg chg="add del">
+          <ac:chgData name="Pantea Namiranian" userId="98c570e01b77e13a" providerId="Windows Live" clId="Web-{A2D86094-263E-E3F9-A1EB-793E1727422F}" dt="2025-05-14T02:42:46.675" v="328"/>
+          <ac:graphicFrameMkLst>
+            <pc:docMk/>
+            <pc:sldMk cId="1544337107" sldId="258"/>
+            <ac:graphicFrameMk id="26" creationId="{8DEEE874-6806-70A5-F1E1-EF6B90BC71CE}"/>
+          </ac:graphicFrameMkLst>
+        </pc:graphicFrameChg>
+        <pc:graphicFrameChg chg="add mod modGraphic">
+          <ac:chgData name="Pantea Namiranian" userId="98c570e01b77e13a" providerId="Windows Live" clId="Web-{A2D86094-263E-E3F9-A1EB-793E1727422F}" dt="2025-05-14T02:57:09.750" v="405"/>
+          <ac:graphicFrameMkLst>
+            <pc:docMk/>
+            <pc:sldMk cId="1544337107" sldId="258"/>
+            <ac:graphicFrameMk id="33" creationId="{98D4976B-75FB-5BED-CFE0-A5BFC0F8D188}"/>
+          </ac:graphicFrameMkLst>
+        </pc:graphicFrameChg>
+        <pc:picChg chg="add del">
+          <ac:chgData name="Pantea Namiranian" userId="98c570e01b77e13a" providerId="Windows Live" clId="Web-{A2D86094-263E-E3F9-A1EB-793E1727422F}" dt="2025-05-14T02:41:20.127" v="322"/>
+          <ac:picMkLst>
+            <pc:docMk/>
+            <pc:sldMk cId="1544337107" sldId="258"/>
+            <ac:picMk id="6" creationId="{F7D5EF60-30D1-9AA7-A844-78D15A67015B}"/>
+          </ac:picMkLst>
+        </pc:picChg>
+        <pc:picChg chg="add mod">
+          <ac:chgData name="Pantea Namiranian" userId="98c570e01b77e13a" providerId="Windows Live" clId="Web-{A2D86094-263E-E3F9-A1EB-793E1727422F}" dt="2025-05-14T02:53:35.188" v="396" actId="14100"/>
+          <ac:picMkLst>
+            <pc:docMk/>
+            <pc:sldMk cId="1544337107" sldId="258"/>
+            <ac:picMk id="34" creationId="{55FB553A-3421-CCB2-7AE2-03B3E5896CCB}"/>
+          </ac:picMkLst>
+        </pc:picChg>
+        <pc:cxnChg chg="add del">
+          <ac:chgData name="Pantea Namiranian" userId="98c570e01b77e13a" providerId="Windows Live" clId="Web-{A2D86094-263E-E3F9-A1EB-793E1727422F}" dt="2025-05-14T02:51:24.579" v="387"/>
+          <ac:cxnSpMkLst>
+            <pc:docMk/>
+            <pc:sldMk cId="1544337107" sldId="258"/>
+            <ac:cxnSpMk id="29" creationId="{EE504C98-6397-41C1-A8D8-2D9C4ED307E0}"/>
+          </ac:cxnSpMkLst>
+        </pc:cxnChg>
+      </pc:sldChg>
+      <pc:sldChg chg="addSp delSp modSp new mod setBg modNotes">
+        <pc:chgData name="Pantea Namiranian" userId="98c570e01b77e13a" providerId="Windows Live" clId="Web-{A2D86094-263E-E3F9-A1EB-793E1727422F}" dt="2025-05-14T02:56:48.734" v="404"/>
+        <pc:sldMkLst>
+          <pc:docMk/>
+          <pc:sldMk cId="2010734872" sldId="259"/>
+        </pc:sldMkLst>
+        <pc:spChg chg="mod ord">
+          <ac:chgData name="Pantea Namiranian" userId="98c570e01b77e13a" providerId="Windows Live" clId="Web-{A2D86094-263E-E3F9-A1EB-793E1727422F}" dt="2025-05-14T02:56:48.734" v="404"/>
+          <ac:spMkLst>
+            <pc:docMk/>
+            <pc:sldMk cId="2010734872" sldId="259"/>
+            <ac:spMk id="2" creationId="{45AEB05C-0C8C-6BCE-FF77-2DD538889EDC}"/>
+          </ac:spMkLst>
+        </pc:spChg>
+        <pc:spChg chg="del">
+          <ac:chgData name="Pantea Namiranian" userId="98c570e01b77e13a" providerId="Windows Live" clId="Web-{A2D86094-263E-E3F9-A1EB-793E1727422F}" dt="2025-05-14T02:27:09.129" v="210"/>
+          <ac:spMkLst>
+            <pc:docMk/>
+            <pc:sldMk cId="2010734872" sldId="259"/>
+            <ac:spMk id="3" creationId="{1B518FF8-859B-EDAD-D7B2-C9052A4FF545}"/>
+          </ac:spMkLst>
+        </pc:spChg>
+        <pc:spChg chg="add del">
+          <ac:chgData name="Pantea Namiranian" userId="98c570e01b77e13a" providerId="Windows Live" clId="Web-{A2D86094-263E-E3F9-A1EB-793E1727422F}" dt="2025-05-14T02:43:33.206" v="331"/>
+          <ac:spMkLst>
+            <pc:docMk/>
+            <pc:sldMk cId="2010734872" sldId="259"/>
+            <ac:spMk id="9" creationId="{0C9DC48C-D5D9-D8AC-DE4A-AB7797E6222A}"/>
+          </ac:spMkLst>
+        </pc:spChg>
+        <pc:spChg chg="add del">
+          <ac:chgData name="Pantea Namiranian" userId="98c570e01b77e13a" providerId="Windows Live" clId="Web-{A2D86094-263E-E3F9-A1EB-793E1727422F}" dt="2025-05-14T02:43:33.206" v="331"/>
+          <ac:spMkLst>
+            <pc:docMk/>
+            <pc:sldMk cId="2010734872" sldId="259"/>
+            <ac:spMk id="12" creationId="{7A203437-703A-4E00-A8C0-91D328D6C7C7}"/>
+          </ac:spMkLst>
+        </pc:spChg>
+        <pc:spChg chg="add del">
+          <ac:chgData name="Pantea Namiranian" userId="98c570e01b77e13a" providerId="Windows Live" clId="Web-{A2D86094-263E-E3F9-A1EB-793E1727422F}" dt="2025-05-14T02:43:33.206" v="331"/>
+          <ac:spMkLst>
+            <pc:docMk/>
+            <pc:sldMk cId="2010734872" sldId="259"/>
+            <ac:spMk id="14" creationId="{CD84038B-4A56-439B-A184-79B2D4506692}"/>
+          </ac:spMkLst>
+        </pc:spChg>
+        <pc:spChg chg="add del">
+          <ac:chgData name="Pantea Namiranian" userId="98c570e01b77e13a" providerId="Windows Live" clId="Web-{A2D86094-263E-E3F9-A1EB-793E1727422F}" dt="2025-05-14T02:43:33.206" v="331"/>
+          <ac:spMkLst>
+            <pc:docMk/>
+            <pc:sldMk cId="2010734872" sldId="259"/>
+            <ac:spMk id="16" creationId="{4F96EE13-2C4D-4262-812E-DDE5FC35F0AD}"/>
+          </ac:spMkLst>
+        </pc:spChg>
+        <pc:spChg chg="add del">
+          <ac:chgData name="Pantea Namiranian" userId="98c570e01b77e13a" providerId="Windows Live" clId="Web-{A2D86094-263E-E3F9-A1EB-793E1727422F}" dt="2025-05-14T02:44:26.940" v="333"/>
+          <ac:spMkLst>
+            <pc:docMk/>
+            <pc:sldMk cId="2010734872" sldId="259"/>
+            <ac:spMk id="18" creationId="{C0A1ED06-4733-4020-9C60-81D4D801408D}"/>
+          </ac:spMkLst>
+        </pc:spChg>
+        <pc:spChg chg="add del">
+          <ac:chgData name="Pantea Namiranian" userId="98c570e01b77e13a" providerId="Windows Live" clId="Web-{A2D86094-263E-E3F9-A1EB-793E1727422F}" dt="2025-05-14T02:44:26.940" v="333"/>
+          <ac:spMkLst>
+            <pc:docMk/>
+            <pc:sldMk cId="2010734872" sldId="259"/>
+            <ac:spMk id="19" creationId="{B0CA3509-3AF9-45FE-93ED-57BB5D5E8E07}"/>
+          </ac:spMkLst>
+        </pc:spChg>
+        <pc:spChg chg="add del">
+          <ac:chgData name="Pantea Namiranian" userId="98c570e01b77e13a" providerId="Windows Live" clId="Web-{A2D86094-263E-E3F9-A1EB-793E1727422F}" dt="2025-05-14T02:44:26.940" v="333"/>
+          <ac:spMkLst>
+            <pc:docMk/>
+            <pc:sldMk cId="2010734872" sldId="259"/>
+            <ac:spMk id="20" creationId="{C98D4888-433F-8C52-F260-E4E5BDDB4C26}"/>
+          </ac:spMkLst>
+        </pc:spChg>
+        <pc:spChg chg="add del">
+          <ac:chgData name="Pantea Namiranian" userId="98c570e01b77e13a" providerId="Windows Live" clId="Web-{A2D86094-263E-E3F9-A1EB-793E1727422F}" dt="2025-05-14T02:45:54.971" v="341"/>
+          <ac:spMkLst>
+            <pc:docMk/>
+            <pc:sldMk cId="2010734872" sldId="259"/>
+            <ac:spMk id="23" creationId="{7A976E23-29EC-4E20-9EF6-B7CC4A8210C3}"/>
+          </ac:spMkLst>
+        </pc:spChg>
+        <pc:spChg chg="add del">
+          <ac:chgData name="Pantea Namiranian" userId="98c570e01b77e13a" providerId="Windows Live" clId="Web-{A2D86094-263E-E3F9-A1EB-793E1727422F}" dt="2025-05-14T02:45:54.971" v="341"/>
+          <ac:spMkLst>
+            <pc:docMk/>
+            <pc:sldMk cId="2010734872" sldId="259"/>
+            <ac:spMk id="24" creationId="{FF0BDB76-BCEC-498E-BA26-C763CD9FA3E7}"/>
+          </ac:spMkLst>
+        </pc:spChg>
+        <pc:spChg chg="add del">
+          <ac:chgData name="Pantea Namiranian" userId="98c570e01b77e13a" providerId="Windows Live" clId="Web-{A2D86094-263E-E3F9-A1EB-793E1727422F}" dt="2025-05-14T02:45:54.971" v="341"/>
+          <ac:spMkLst>
+            <pc:docMk/>
+            <pc:sldMk cId="2010734872" sldId="259"/>
+            <ac:spMk id="25" creationId="{DF5FCEC6-E657-46F1-925F-13ED192124CE}"/>
+          </ac:spMkLst>
+        </pc:spChg>
+        <pc:spChg chg="add del">
+          <ac:chgData name="Pantea Namiranian" userId="98c570e01b77e13a" providerId="Windows Live" clId="Web-{A2D86094-263E-E3F9-A1EB-793E1727422F}" dt="2025-05-14T02:45:54.971" v="341"/>
+          <ac:spMkLst>
+            <pc:docMk/>
+            <pc:sldMk cId="2010734872" sldId="259"/>
+            <ac:spMk id="38" creationId="{1452CEF2-C9EC-4C15-99E4-C781AB08AB91}"/>
+          </ac:spMkLst>
+        </pc:spChg>
+        <pc:spChg chg="add del">
+          <ac:chgData name="Pantea Namiranian" userId="98c570e01b77e13a" providerId="Windows Live" clId="Web-{A2D86094-263E-E3F9-A1EB-793E1727422F}" dt="2025-05-14T02:44:37.034" v="335"/>
+          <ac:spMkLst>
+            <pc:docMk/>
+            <pc:sldMk cId="2010734872" sldId="259"/>
+            <ac:spMk id="46" creationId="{F7BFAEDA-5558-82E1-6816-A949557E02B0}"/>
+          </ac:spMkLst>
+        </pc:spChg>
+        <pc:spChg chg="add del">
+          <ac:chgData name="Pantea Namiranian" userId="98c570e01b77e13a" providerId="Windows Live" clId="Web-{A2D86094-263E-E3F9-A1EB-793E1727422F}" dt="2025-05-14T02:45:54.971" v="340"/>
+          <ac:spMkLst>
+            <pc:docMk/>
+            <pc:sldMk cId="2010734872" sldId="259"/>
+            <ac:spMk id="50" creationId="{27BDFED6-6E33-4606-AFE2-886ADB1C018E}"/>
+          </ac:spMkLst>
+        </pc:spChg>
+        <pc:spChg chg="add del">
+          <ac:chgData name="Pantea Namiranian" userId="98c570e01b77e13a" providerId="Windows Live" clId="Web-{A2D86094-263E-E3F9-A1EB-793E1727422F}" dt="2025-05-14T02:45:54.971" v="340"/>
+          <ac:spMkLst>
+            <pc:docMk/>
+            <pc:sldMk cId="2010734872" sldId="259"/>
+            <ac:spMk id="52" creationId="{890DEF05-784E-4B61-89E4-04C4ECF4E5A0}"/>
+          </ac:spMkLst>
+        </pc:spChg>
+        <pc:spChg chg="add del">
+          <ac:chgData name="Pantea Namiranian" userId="98c570e01b77e13a" providerId="Windows Live" clId="Web-{A2D86094-263E-E3F9-A1EB-793E1727422F}" dt="2025-05-14T02:46:55.284" v="347"/>
+          <ac:spMkLst>
+            <pc:docMk/>
+            <pc:sldMk cId="2010734872" sldId="259"/>
+            <ac:spMk id="56" creationId="{C3896A03-3945-419A-B66B-4EE266EDD152}"/>
+          </ac:spMkLst>
+        </pc:spChg>
+        <pc:spChg chg="add del mod">
+          <ac:chgData name="Pantea Namiranian" userId="98c570e01b77e13a" providerId="Windows Live" clId="Web-{A2D86094-263E-E3F9-A1EB-793E1727422F}" dt="2025-05-14T02:46:55.284" v="347"/>
+          <ac:spMkLst>
+            <pc:docMk/>
+            <pc:sldMk cId="2010734872" sldId="259"/>
+            <ac:spMk id="57" creationId="{B34F5AD2-EDBD-4BBD-A55C-EAFFD0C7097A}"/>
+          </ac:spMkLst>
+        </pc:spChg>
+        <pc:spChg chg="add del">
+          <ac:chgData name="Pantea Namiranian" userId="98c570e01b77e13a" providerId="Windows Live" clId="Web-{A2D86094-263E-E3F9-A1EB-793E1727422F}" dt="2025-05-14T02:46:55.284" v="347"/>
+          <ac:spMkLst>
+            <pc:docMk/>
+            <pc:sldMk cId="2010734872" sldId="259"/>
+            <ac:spMk id="58" creationId="{6832F003-FCA6-4CFB-A2EA-308F3AA257D1}"/>
+          </ac:spMkLst>
+        </pc:spChg>
+        <pc:spChg chg="add del">
+          <ac:chgData name="Pantea Namiranian" userId="98c570e01b77e13a" providerId="Windows Live" clId="Web-{A2D86094-263E-E3F9-A1EB-793E1727422F}" dt="2025-05-14T02:48:00.815" v="360"/>
+          <ac:spMkLst>
+            <pc:docMk/>
+            <pc:sldMk cId="2010734872" sldId="259"/>
+            <ac:spMk id="63" creationId="{2151139A-886F-4B97-8815-729AD3831BBD}"/>
+          </ac:spMkLst>
+        </pc:spChg>
+        <pc:spChg chg="add del">
+          <ac:chgData name="Pantea Namiranian" userId="98c570e01b77e13a" providerId="Windows Live" clId="Web-{A2D86094-263E-E3F9-A1EB-793E1727422F}" dt="2025-05-14T02:48:00.815" v="360"/>
+          <ac:spMkLst>
+            <pc:docMk/>
+            <pc:sldMk cId="2010734872" sldId="259"/>
+            <ac:spMk id="65" creationId="{AB5E08C4-8CDD-4623-A5B8-E998C6DEE3B7}"/>
+          </ac:spMkLst>
+        </pc:spChg>
+        <pc:spChg chg="add del">
+          <ac:chgData name="Pantea Namiranian" userId="98c570e01b77e13a" providerId="Windows Live" clId="Web-{A2D86094-263E-E3F9-A1EB-793E1727422F}" dt="2025-05-14T02:48:00.815" v="360"/>
+          <ac:spMkLst>
+            <pc:docMk/>
+            <pc:sldMk cId="2010734872" sldId="259"/>
+            <ac:spMk id="67" creationId="{15F33878-D502-4FFA-8ACE-F2AECDB2A23F}"/>
+          </ac:spMkLst>
+        </pc:spChg>
+        <pc:spChg chg="add del">
+          <ac:chgData name="Pantea Namiranian" userId="98c570e01b77e13a" providerId="Windows Live" clId="Web-{A2D86094-263E-E3F9-A1EB-793E1727422F}" dt="2025-05-14T02:48:00.815" v="360"/>
+          <ac:spMkLst>
+            <pc:docMk/>
+            <pc:sldMk cId="2010734872" sldId="259"/>
+            <ac:spMk id="69" creationId="{D3539FEE-81D3-4406-802E-60B20B16F4F6}"/>
+          </ac:spMkLst>
+        </pc:spChg>
+        <pc:spChg chg="add del">
+          <ac:chgData name="Pantea Namiranian" userId="98c570e01b77e13a" providerId="Windows Live" clId="Web-{A2D86094-263E-E3F9-A1EB-793E1727422F}" dt="2025-05-14T02:48:00.815" v="360"/>
+          <ac:spMkLst>
+            <pc:docMk/>
+            <pc:sldMk cId="2010734872" sldId="259"/>
+            <ac:spMk id="71" creationId="{DC701763-729E-462F-A5A8-E0DEFEB1E2E4}"/>
+          </ac:spMkLst>
+        </pc:spChg>
+        <pc:spChg chg="add del">
+          <ac:chgData name="Pantea Namiranian" userId="98c570e01b77e13a" providerId="Windows Live" clId="Web-{A2D86094-263E-E3F9-A1EB-793E1727422F}" dt="2025-05-14T02:47:57.846" v="357"/>
+          <ac:spMkLst>
+            <pc:docMk/>
+            <pc:sldMk cId="2010734872" sldId="259"/>
+            <ac:spMk id="76" creationId="{27BDFED6-6E33-4606-AFE2-886ADB1C018E}"/>
+          </ac:spMkLst>
+        </pc:spChg>
+        <pc:spChg chg="add del">
+          <ac:chgData name="Pantea Namiranian" userId="98c570e01b77e13a" providerId="Windows Live" clId="Web-{A2D86094-263E-E3F9-A1EB-793E1727422F}" dt="2025-05-14T02:47:57.846" v="357"/>
+          <ac:spMkLst>
+            <pc:docMk/>
+            <pc:sldMk cId="2010734872" sldId="259"/>
+            <ac:spMk id="78" creationId="{890DEF05-784E-4B61-89E4-04C4ECF4E5A0}"/>
+          </ac:spMkLst>
+        </pc:spChg>
+        <pc:spChg chg="add del">
+          <ac:chgData name="Pantea Namiranian" userId="98c570e01b77e13a" providerId="Windows Live" clId="Web-{A2D86094-263E-E3F9-A1EB-793E1727422F}" dt="2025-05-14T02:48:00.799" v="359"/>
+          <ac:spMkLst>
+            <pc:docMk/>
+            <pc:sldMk cId="2010734872" sldId="259"/>
+            <ac:spMk id="82" creationId="{F0087D53-9295-4463-AAE4-D5C626046E9F}"/>
+          </ac:spMkLst>
+        </pc:spChg>
+        <pc:spChg chg="add del">
+          <ac:chgData name="Pantea Namiranian" userId="98c570e01b77e13a" providerId="Windows Live" clId="Web-{A2D86094-263E-E3F9-A1EB-793E1727422F}" dt="2025-05-14T02:48:00.799" v="359"/>
+          <ac:spMkLst>
+            <pc:docMk/>
+            <pc:sldMk cId="2010734872" sldId="259"/>
+            <ac:spMk id="83" creationId="{D6A9C53F-5F90-40A5-8C85-5412D39C8C68}"/>
+          </ac:spMkLst>
+        </pc:spChg>
+        <pc:spChg chg="add del">
+          <ac:chgData name="Pantea Namiranian" userId="98c570e01b77e13a" providerId="Windows Live" clId="Web-{A2D86094-263E-E3F9-A1EB-793E1727422F}" dt="2025-05-14T02:48:28.861" v="363"/>
+          <ac:spMkLst>
+            <pc:docMk/>
+            <pc:sldMk cId="2010734872" sldId="259"/>
+            <ac:spMk id="85" creationId="{F8446B12-7391-4711-8B31-112A0B896C76}"/>
+          </ac:spMkLst>
+        </pc:spChg>
+        <pc:spChg chg="add del">
+          <ac:chgData name="Pantea Namiranian" userId="98c570e01b77e13a" providerId="Windows Live" clId="Web-{A2D86094-263E-E3F9-A1EB-793E1727422F}" dt="2025-05-14T02:56:48.734" v="404"/>
+          <ac:spMkLst>
+            <pc:docMk/>
+            <pc:sldMk cId="2010734872" sldId="259"/>
+            <ac:spMk id="92" creationId="{2151139A-886F-4B97-8815-729AD3831BBD}"/>
+          </ac:spMkLst>
+        </pc:spChg>
+        <pc:spChg chg="add del">
+          <ac:chgData name="Pantea Namiranian" userId="98c570e01b77e13a" providerId="Windows Live" clId="Web-{A2D86094-263E-E3F9-A1EB-793E1727422F}" dt="2025-05-14T02:56:48.734" v="404"/>
+          <ac:spMkLst>
+            <pc:docMk/>
+            <pc:sldMk cId="2010734872" sldId="259"/>
+            <ac:spMk id="94" creationId="{AB5E08C4-8CDD-4623-A5B8-E998C6DEE3B7}"/>
+          </ac:spMkLst>
+        </pc:spChg>
+        <pc:spChg chg="add del">
+          <ac:chgData name="Pantea Namiranian" userId="98c570e01b77e13a" providerId="Windows Live" clId="Web-{A2D86094-263E-E3F9-A1EB-793E1727422F}" dt="2025-05-14T02:56:48.734" v="404"/>
+          <ac:spMkLst>
+            <pc:docMk/>
+            <pc:sldMk cId="2010734872" sldId="259"/>
+            <ac:spMk id="96" creationId="{15F33878-D502-4FFA-8ACE-F2AECDB2A23F}"/>
+          </ac:spMkLst>
+        </pc:spChg>
+        <pc:spChg chg="add del">
+          <ac:chgData name="Pantea Namiranian" userId="98c570e01b77e13a" providerId="Windows Live" clId="Web-{A2D86094-263E-E3F9-A1EB-793E1727422F}" dt="2025-05-14T02:56:48.734" v="404"/>
+          <ac:spMkLst>
+            <pc:docMk/>
+            <pc:sldMk cId="2010734872" sldId="259"/>
+            <ac:spMk id="98" creationId="{D3539FEE-81D3-4406-802E-60B20B16F4F6}"/>
+          </ac:spMkLst>
+        </pc:spChg>
+        <pc:spChg chg="add del">
+          <ac:chgData name="Pantea Namiranian" userId="98c570e01b77e13a" providerId="Windows Live" clId="Web-{A2D86094-263E-E3F9-A1EB-793E1727422F}" dt="2025-05-14T02:56:48.734" v="404"/>
+          <ac:spMkLst>
+            <pc:docMk/>
+            <pc:sldMk cId="2010734872" sldId="259"/>
+            <ac:spMk id="100" creationId="{DC701763-729E-462F-A5A8-E0DEFEB1E2E4}"/>
+          </ac:spMkLst>
+        </pc:spChg>
+        <pc:spChg chg="add del">
+          <ac:chgData name="Pantea Namiranian" userId="98c570e01b77e13a" providerId="Windows Live" clId="Web-{A2D86094-263E-E3F9-A1EB-793E1727422F}" dt="2025-05-14T02:56:19.797" v="401"/>
+          <ac:spMkLst>
+            <pc:docMk/>
+            <pc:sldMk cId="2010734872" sldId="259"/>
+            <ac:spMk id="105" creationId="{C4879EFC-8E62-4E00-973C-C45EE9EC676D}"/>
+          </ac:spMkLst>
+        </pc:spChg>
+        <pc:spChg chg="add del">
+          <ac:chgData name="Pantea Namiranian" userId="98c570e01b77e13a" providerId="Windows Live" clId="Web-{A2D86094-263E-E3F9-A1EB-793E1727422F}" dt="2025-05-14T02:56:19.797" v="401"/>
+          <ac:spMkLst>
+            <pc:docMk/>
+            <pc:sldMk cId="2010734872" sldId="259"/>
+            <ac:spMk id="107" creationId="{D6A9C53F-5F90-40A5-8C85-5412D39C8C68}"/>
+          </ac:spMkLst>
+        </pc:spChg>
+        <pc:spChg chg="add del">
+          <ac:chgData name="Pantea Namiranian" userId="98c570e01b77e13a" providerId="Windows Live" clId="Web-{A2D86094-263E-E3F9-A1EB-793E1727422F}" dt="2025-05-14T02:56:48.719" v="403"/>
+          <ac:spMkLst>
+            <pc:docMk/>
+            <pc:sldMk cId="2010734872" sldId="259"/>
+            <ac:spMk id="110" creationId="{FB33DC6A-1F1C-4A06-834E-CFF88F1C0BB9}"/>
+          </ac:spMkLst>
+        </pc:spChg>
+        <pc:spChg chg="add del">
+          <ac:chgData name="Pantea Namiranian" userId="98c570e01b77e13a" providerId="Windows Live" clId="Web-{A2D86094-263E-E3F9-A1EB-793E1727422F}" dt="2025-05-14T02:56:48.719" v="403"/>
+          <ac:spMkLst>
+            <pc:docMk/>
+            <pc:sldMk cId="2010734872" sldId="259"/>
+            <ac:spMk id="111" creationId="{AF2F604E-43BE-4DC3-B983-E071523364F8}"/>
+          </ac:spMkLst>
+        </pc:spChg>
+        <pc:spChg chg="add del">
+          <ac:chgData name="Pantea Namiranian" userId="98c570e01b77e13a" providerId="Windows Live" clId="Web-{A2D86094-263E-E3F9-A1EB-793E1727422F}" dt="2025-05-14T02:56:48.719" v="403"/>
+          <ac:spMkLst>
+            <pc:docMk/>
+            <pc:sldMk cId="2010734872" sldId="259"/>
+            <ac:spMk id="112" creationId="{0FE1D5CF-87B8-4A8A-AD3C-01D06A60769B}"/>
+          </ac:spMkLst>
+        </pc:spChg>
+        <pc:spChg chg="add del">
+          <ac:chgData name="Pantea Namiranian" userId="98c570e01b77e13a" providerId="Windows Live" clId="Web-{A2D86094-263E-E3F9-A1EB-793E1727422F}" dt="2025-05-14T02:56:48.719" v="403"/>
+          <ac:spMkLst>
+            <pc:docMk/>
+            <pc:sldMk cId="2010734872" sldId="259"/>
+            <ac:spMk id="113" creationId="{08C9B587-E65E-4B52-B37C-ABEBB6E87928}"/>
+          </ac:spMkLst>
+        </pc:spChg>
+        <pc:spChg chg="add">
+          <ac:chgData name="Pantea Namiranian" userId="98c570e01b77e13a" providerId="Windows Live" clId="Web-{A2D86094-263E-E3F9-A1EB-793E1727422F}" dt="2025-05-14T02:56:48.734" v="404"/>
+          <ac:spMkLst>
+            <pc:docMk/>
+            <pc:sldMk cId="2010734872" sldId="259"/>
+            <ac:spMk id="115" creationId="{88263A24-0C1F-4677-B43C-4AE14E276B27}"/>
+          </ac:spMkLst>
+        </pc:spChg>
+        <pc:spChg chg="add">
+          <ac:chgData name="Pantea Namiranian" userId="98c570e01b77e13a" providerId="Windows Live" clId="Web-{A2D86094-263E-E3F9-A1EB-793E1727422F}" dt="2025-05-14T02:56:48.734" v="404"/>
+          <ac:spMkLst>
+            <pc:docMk/>
+            <pc:sldMk cId="2010734872" sldId="259"/>
+            <ac:spMk id="116" creationId="{0ADDB668-2CA4-4D2B-9C34-3487CA330BA8}"/>
+          </ac:spMkLst>
+        </pc:spChg>
+        <pc:spChg chg="add">
+          <ac:chgData name="Pantea Namiranian" userId="98c570e01b77e13a" providerId="Windows Live" clId="Web-{A2D86094-263E-E3F9-A1EB-793E1727422F}" dt="2025-05-14T02:56:48.734" v="404"/>
+          <ac:spMkLst>
+            <pc:docMk/>
+            <pc:sldMk cId="2010734872" sldId="259"/>
+            <ac:spMk id="117" creationId="{2568BC19-F052-4108-93E1-6A3D1DEC072F}"/>
+          </ac:spMkLst>
+        </pc:spChg>
+        <pc:spChg chg="add">
+          <ac:chgData name="Pantea Namiranian" userId="98c570e01b77e13a" providerId="Windows Live" clId="Web-{A2D86094-263E-E3F9-A1EB-793E1727422F}" dt="2025-05-14T02:56:48.734" v="404"/>
+          <ac:spMkLst>
+            <pc:docMk/>
+            <pc:sldMk cId="2010734872" sldId="259"/>
+            <ac:spMk id="118" creationId="{D5FD337D-4D6B-4C8B-B6F5-121097E09881}"/>
+          </ac:spMkLst>
+        </pc:spChg>
+        <pc:grpChg chg="add del">
+          <ac:chgData name="Pantea Namiranian" userId="98c570e01b77e13a" providerId="Windows Live" clId="Web-{A2D86094-263E-E3F9-A1EB-793E1727422F}" dt="2025-05-14T02:45:54.971" v="340"/>
+          <ac:grpSpMkLst>
+            <pc:docMk/>
+            <pc:sldMk cId="2010734872" sldId="259"/>
+            <ac:grpSpMk id="26" creationId="{DD8DF5DF-A251-4BC2-8965-4EDDD01FC56E}"/>
+          </ac:grpSpMkLst>
+        </pc:grpChg>
+        <pc:grpChg chg="add">
+          <ac:chgData name="Pantea Namiranian" userId="98c570e01b77e13a" providerId="Windows Live" clId="Web-{A2D86094-263E-E3F9-A1EB-793E1727422F}" dt="2025-05-14T02:44:26.956" v="334"/>
+          <ac:grpSpMkLst>
+            <pc:docMk/>
+            <pc:sldMk cId="2010734872" sldId="259"/>
+            <ac:grpSpMk id="31" creationId="{30A6DB23-0C0E-401A-9D98-117AB6A50DDE}"/>
+          </ac:grpSpMkLst>
+        </pc:grpChg>
+        <pc:grpChg chg="add del">
+          <ac:chgData name="Pantea Namiranian" userId="98c570e01b77e13a" providerId="Windows Live" clId="Web-{A2D86094-263E-E3F9-A1EB-793E1727422F}" dt="2025-05-14T02:48:28.861" v="363"/>
+          <ac:grpSpMkLst>
+            <pc:docMk/>
+            <pc:sldMk cId="2010734872" sldId="259"/>
+            <ac:grpSpMk id="86" creationId="{AC0B7807-0C83-4963-821A-69B172722E49}"/>
+          </ac:grpSpMkLst>
+        </pc:grpChg>
+        <pc:picChg chg="add mod ord">
+          <ac:chgData name="Pantea Namiranian" userId="98c570e01b77e13a" providerId="Windows Live" clId="Web-{A2D86094-263E-E3F9-A1EB-793E1727422F}" dt="2025-05-14T02:56:19.797" v="401"/>
+          <ac:picMkLst>
+            <pc:docMk/>
+            <pc:sldMk cId="2010734872" sldId="259"/>
+            <ac:picMk id="4" creationId="{10300FA6-6427-C1CB-34CA-A626F650D9E1}"/>
+          </ac:picMkLst>
+        </pc:picChg>
+        <pc:picChg chg="add del mod">
+          <ac:chgData name="Pantea Namiranian" userId="98c570e01b77e13a" providerId="Windows Live" clId="Web-{A2D86094-263E-E3F9-A1EB-793E1727422F}" dt="2025-05-14T02:48:46.221" v="365"/>
+          <ac:picMkLst>
+            <pc:docMk/>
+            <pc:sldMk cId="2010734872" sldId="259"/>
+            <ac:picMk id="5" creationId="{00262750-C4C5-7571-27AE-F94F852C3EDC}"/>
+          </ac:picMkLst>
+        </pc:picChg>
+        <pc:picChg chg="add mod">
+          <ac:chgData name="Pantea Namiranian" userId="98c570e01b77e13a" providerId="Windows Live" clId="Web-{A2D86094-263E-E3F9-A1EB-793E1727422F}" dt="2025-05-14T02:56:19.797" v="401"/>
+          <ac:picMkLst>
+            <pc:docMk/>
+            <pc:sldMk cId="2010734872" sldId="259"/>
+            <ac:picMk id="6" creationId="{9B6A2EA6-612B-4664-36CD-8C912BA54C26}"/>
+          </ac:picMkLst>
+        </pc:picChg>
+      </pc:sldChg>
+      <pc:sldChg chg="addSp delSp modSp new mod setBg modNotes">
+        <pc:chgData name="Pantea Namiranian" userId="98c570e01b77e13a" providerId="Windows Live" clId="Web-{A2D86094-263E-E3F9-A1EB-793E1727422F}" dt="2025-05-14T03:04:56.860" v="431"/>
+        <pc:sldMkLst>
+          <pc:docMk/>
+          <pc:sldMk cId="3890561786" sldId="260"/>
+        </pc:sldMkLst>
+        <pc:spChg chg="mod">
+          <ac:chgData name="Pantea Namiranian" userId="98c570e01b77e13a" providerId="Windows Live" clId="Web-{A2D86094-263E-E3F9-A1EB-793E1727422F}" dt="2025-05-14T02:50:35.126" v="384"/>
+          <ac:spMkLst>
+            <pc:docMk/>
+            <pc:sldMk cId="3890561786" sldId="260"/>
+            <ac:spMk id="2" creationId="{ADD63AA7-E103-4084-8C9C-0F64474A9446}"/>
+          </ac:spMkLst>
+        </pc:spChg>
+        <pc:spChg chg="mod">
+          <ac:chgData name="Pantea Namiranian" userId="98c570e01b77e13a" providerId="Windows Live" clId="Web-{A2D86094-263E-E3F9-A1EB-793E1727422F}" dt="2025-05-14T02:50:55.986" v="386" actId="20577"/>
+          <ac:spMkLst>
+            <pc:docMk/>
+            <pc:sldMk cId="3890561786" sldId="260"/>
+            <ac:spMk id="3" creationId="{AC964D01-D508-C4D1-566A-6FED39EC8B20}"/>
+          </ac:spMkLst>
+        </pc:spChg>
+        <pc:spChg chg="add del">
+          <ac:chgData name="Pantea Namiranian" userId="98c570e01b77e13a" providerId="Windows Live" clId="Web-{A2D86094-263E-E3F9-A1EB-793E1727422F}" dt="2025-05-14T02:50:35.126" v="384"/>
+          <ac:spMkLst>
+            <pc:docMk/>
+            <pc:sldMk cId="3890561786" sldId="260"/>
+            <ac:spMk id="9" creationId="{9AA72BD9-2C5A-4EDC-931F-5AA08EACA0F3}"/>
+          </ac:spMkLst>
+        </pc:spChg>
+        <pc:spChg chg="add del">
+          <ac:chgData name="Pantea Namiranian" userId="98c570e01b77e13a" providerId="Windows Live" clId="Web-{A2D86094-263E-E3F9-A1EB-793E1727422F}" dt="2025-05-14T02:50:35.126" v="384"/>
+          <ac:spMkLst>
+            <pc:docMk/>
+            <pc:sldMk cId="3890561786" sldId="260"/>
+            <ac:spMk id="11" creationId="{DD3981AC-7B61-4947-BCF3-F7AA7FA385B9}"/>
+          </ac:spMkLst>
+        </pc:spChg>
+        <pc:spChg chg="add del">
+          <ac:chgData name="Pantea Namiranian" userId="98c570e01b77e13a" providerId="Windows Live" clId="Web-{A2D86094-263E-E3F9-A1EB-793E1727422F}" dt="2025-05-14T02:50:35.126" v="384"/>
+          <ac:spMkLst>
+            <pc:docMk/>
+            <pc:sldMk cId="3890561786" sldId="260"/>
+            <ac:spMk id="13" creationId="{55D4142C-5077-457F-A6AD-3FECFDB39685}"/>
+          </ac:spMkLst>
+        </pc:spChg>
+        <pc:spChg chg="add del">
+          <ac:chgData name="Pantea Namiranian" userId="98c570e01b77e13a" providerId="Windows Live" clId="Web-{A2D86094-263E-E3F9-A1EB-793E1727422F}" dt="2025-05-14T02:50:35.126" v="384"/>
+          <ac:spMkLst>
+            <pc:docMk/>
+            <pc:sldMk cId="3890561786" sldId="260"/>
+            <ac:spMk id="15" creationId="{7A5F0580-5EE9-419F-96EE-B6529EF6E7D0}"/>
+          </ac:spMkLst>
+        </pc:spChg>
+        <pc:spChg chg="add">
+          <ac:chgData name="Pantea Namiranian" userId="98c570e01b77e13a" providerId="Windows Live" clId="Web-{A2D86094-263E-E3F9-A1EB-793E1727422F}" dt="2025-05-14T02:50:35.126" v="384"/>
+          <ac:spMkLst>
+            <pc:docMk/>
+            <pc:sldMk cId="3890561786" sldId="260"/>
+            <ac:spMk id="20" creationId="{C0A1ED06-4733-4020-9C60-81D4D801408D}"/>
+          </ac:spMkLst>
+        </pc:spChg>
+        <pc:spChg chg="add">
+          <ac:chgData name="Pantea Namiranian" userId="98c570e01b77e13a" providerId="Windows Live" clId="Web-{A2D86094-263E-E3F9-A1EB-793E1727422F}" dt="2025-05-14T02:50:35.126" v="384"/>
+          <ac:spMkLst>
+            <pc:docMk/>
+            <pc:sldMk cId="3890561786" sldId="260"/>
+            <ac:spMk id="22" creationId="{B0CA3509-3AF9-45FE-93ED-57BB5D5E8E07}"/>
+          </ac:spMkLst>
+        </pc:spChg>
+        <pc:picChg chg="add mod">
+          <ac:chgData name="Pantea Namiranian" userId="98c570e01b77e13a" providerId="Windows Live" clId="Web-{A2D86094-263E-E3F9-A1EB-793E1727422F}" dt="2025-05-14T02:50:35.126" v="384"/>
+          <ac:picMkLst>
+            <pc:docMk/>
+            <pc:sldMk cId="3890561786" sldId="260"/>
+            <ac:picMk id="5" creationId="{BAD1FE68-B4A7-2685-47E7-0E4E40CAA380}"/>
+          </ac:picMkLst>
+        </pc:picChg>
+      </pc:sldChg>
+    </pc:docChg>
+  </pc:docChgLst>
+  <pc:docChgLst>
+    <pc:chgData name="Pantea Namiranian" userId="98c570e01b77e13a" providerId="Windows Live" clId="Web-{FE861508-9F77-ED00-AF46-458EDD68B466}"/>
+    <pc:docChg chg="addSld modSld sldOrd">
+      <pc:chgData name="Pantea Namiranian" userId="98c570e01b77e13a" providerId="Windows Live" clId="Web-{FE861508-9F77-ED00-AF46-458EDD68B466}" dt="2025-05-18T22:05:12.493" v="462"/>
+      <pc:docMkLst>
+        <pc:docMk/>
+      </pc:docMkLst>
+      <pc:sldChg chg="addSp delSp modSp modNotes">
+        <pc:chgData name="Pantea Namiranian" userId="98c570e01b77e13a" providerId="Windows Live" clId="Web-{FE861508-9F77-ED00-AF46-458EDD68B466}" dt="2025-05-18T20:45:20.588" v="354"/>
+        <pc:sldMkLst>
+          <pc:docMk/>
+          <pc:sldMk cId="109857222" sldId="256"/>
+        </pc:sldMkLst>
+        <pc:spChg chg="mod">
+          <ac:chgData name="Pantea Namiranian" userId="98c570e01b77e13a" providerId="Windows Live" clId="Web-{FE861508-9F77-ED00-AF46-458EDD68B466}" dt="2025-05-18T20:45:20.588" v="354"/>
+          <ac:spMkLst>
+            <pc:docMk/>
+            <pc:sldMk cId="109857222" sldId="256"/>
+            <ac:spMk id="2" creationId="{00000000-0000-0000-0000-000000000000}"/>
+          </ac:spMkLst>
+        </pc:spChg>
+        <pc:spChg chg="mod">
+          <ac:chgData name="Pantea Namiranian" userId="98c570e01b77e13a" providerId="Windows Live" clId="Web-{FE861508-9F77-ED00-AF46-458EDD68B466}" dt="2025-05-18T20:45:20.588" v="354"/>
+          <ac:spMkLst>
+            <pc:docMk/>
+            <pc:sldMk cId="109857222" sldId="256"/>
+            <ac:spMk id="3" creationId="{00000000-0000-0000-0000-000000000000}"/>
+          </ac:spMkLst>
+        </pc:spChg>
+        <pc:spChg chg="del">
+          <ac:chgData name="Pantea Namiranian" userId="98c570e01b77e13a" providerId="Windows Live" clId="Web-{FE861508-9F77-ED00-AF46-458EDD68B466}" dt="2025-05-18T20:45:20.588" v="354"/>
+          <ac:spMkLst>
+            <pc:docMk/>
+            <pc:sldMk cId="109857222" sldId="256"/>
+            <ac:spMk id="8" creationId="{70DFC902-7D23-471A-B557-B6B6917D7A0D}"/>
+          </ac:spMkLst>
+        </pc:spChg>
+        <pc:spChg chg="del">
+          <ac:chgData name="Pantea Namiranian" userId="98c570e01b77e13a" providerId="Windows Live" clId="Web-{FE861508-9F77-ED00-AF46-458EDD68B466}" dt="2025-05-18T20:45:20.588" v="354"/>
+          <ac:spMkLst>
+            <pc:docMk/>
+            <pc:sldMk cId="109857222" sldId="256"/>
+            <ac:spMk id="10" creationId="{A55D5633-D557-4DCA-982C-FF36EB7A1C00}"/>
+          </ac:spMkLst>
+        </pc:spChg>
+        <pc:spChg chg="del">
+          <ac:chgData name="Pantea Namiranian" userId="98c570e01b77e13a" providerId="Windows Live" clId="Web-{FE861508-9F77-ED00-AF46-458EDD68B466}" dt="2025-05-18T20:45:20.588" v="354"/>
+          <ac:spMkLst>
+            <pc:docMk/>
+            <pc:sldMk cId="109857222" sldId="256"/>
+            <ac:spMk id="12" creationId="{450D3AD2-FA80-415F-A9CE-54D884561CD7}"/>
+          </ac:spMkLst>
+        </pc:spChg>
+        <pc:spChg chg="add">
+          <ac:chgData name="Pantea Namiranian" userId="98c570e01b77e13a" providerId="Windows Live" clId="Web-{FE861508-9F77-ED00-AF46-458EDD68B466}" dt="2025-05-18T20:45:20.588" v="354"/>
+          <ac:spMkLst>
+            <pc:docMk/>
+            <pc:sldMk cId="109857222" sldId="256"/>
+            <ac:spMk id="14" creationId="{74751229-0244-4FBB-BED1-407467F4C951}"/>
+          </ac:spMkLst>
+        </pc:spChg>
+        <pc:picChg chg="add">
+          <ac:chgData name="Pantea Namiranian" userId="98c570e01b77e13a" providerId="Windows Live" clId="Web-{FE861508-9F77-ED00-AF46-458EDD68B466}" dt="2025-05-18T20:45:20.588" v="354"/>
+          <ac:picMkLst>
+            <pc:docMk/>
+            <pc:sldMk cId="109857222" sldId="256"/>
+            <ac:picMk id="16" creationId="{301D3F91-E203-24C2-EF75-EE48AC53CC20}"/>
+          </ac:picMkLst>
+        </pc:picChg>
+        <pc:picChg chg="add">
+          <ac:chgData name="Pantea Namiranian" userId="98c570e01b77e13a" providerId="Windows Live" clId="Web-{FE861508-9F77-ED00-AF46-458EDD68B466}" dt="2025-05-18T20:45:20.588" v="354"/>
+          <ac:picMkLst>
+            <pc:docMk/>
+            <pc:sldMk cId="109857222" sldId="256"/>
+            <ac:picMk id="18" creationId="{EC511784-7A42-44B3-BD0E-207DB74ED742}"/>
+          </ac:picMkLst>
+        </pc:picChg>
+      </pc:sldChg>
+      <pc:sldChg chg="addSp delSp modSp modNotes">
+        <pc:chgData name="Pantea Namiranian" userId="98c570e01b77e13a" providerId="Windows Live" clId="Web-{FE861508-9F77-ED00-AF46-458EDD68B466}" dt="2025-05-18T20:47:04.310" v="359"/>
+        <pc:sldMkLst>
+          <pc:docMk/>
+          <pc:sldMk cId="1415835211" sldId="257"/>
+        </pc:sldMkLst>
+        <pc:spChg chg="mod">
+          <ac:chgData name="Pantea Namiranian" userId="98c570e01b77e13a" providerId="Windows Live" clId="Web-{FE861508-9F77-ED00-AF46-458EDD68B466}" dt="2025-05-18T20:47:04.310" v="359"/>
+          <ac:spMkLst>
+            <pc:docMk/>
+            <pc:sldMk cId="1415835211" sldId="257"/>
+            <ac:spMk id="2" creationId="{33E08100-5A74-BC56-90DD-519A116CB938}"/>
+          </ac:spMkLst>
+        </pc:spChg>
+        <pc:spChg chg="add del">
+          <ac:chgData name="Pantea Namiranian" userId="98c570e01b77e13a" providerId="Windows Live" clId="Web-{FE861508-9F77-ED00-AF46-458EDD68B466}" dt="2025-05-18T20:47:04.310" v="359"/>
+          <ac:spMkLst>
+            <pc:docMk/>
+            <pc:sldMk cId="1415835211" sldId="257"/>
+            <ac:spMk id="48" creationId="{6C4028FD-8BAA-4A19-BFDE-594D991B7552}"/>
+          </ac:spMkLst>
+        </pc:spChg>
+        <pc:spChg chg="add del">
+          <ac:chgData name="Pantea Namiranian" userId="98c570e01b77e13a" providerId="Windows Live" clId="Web-{FE861508-9F77-ED00-AF46-458EDD68B466}" dt="2025-05-18T20:46:48.685" v="356"/>
+          <ac:spMkLst>
+            <pc:docMk/>
+            <pc:sldMk cId="1415835211" sldId="257"/>
+            <ac:spMk id="53" creationId="{BACC6370-2D7E-4714-9D71-7542949D7D5D}"/>
+          </ac:spMkLst>
+        </pc:spChg>
+        <pc:spChg chg="add del">
+          <ac:chgData name="Pantea Namiranian" userId="98c570e01b77e13a" providerId="Windows Live" clId="Web-{FE861508-9F77-ED00-AF46-458EDD68B466}" dt="2025-05-18T20:47:04.263" v="358"/>
+          <ac:spMkLst>
+            <pc:docMk/>
+            <pc:sldMk cId="1415835211" sldId="257"/>
+            <ac:spMk id="54" creationId="{B50AB553-2A96-4A92-96F2-93548E096954}"/>
+          </ac:spMkLst>
+        </pc:spChg>
+        <pc:spChg chg="add del">
+          <ac:chgData name="Pantea Namiranian" userId="98c570e01b77e13a" providerId="Windows Live" clId="Web-{FE861508-9F77-ED00-AF46-458EDD68B466}" dt="2025-05-18T20:46:48.685" v="356"/>
+          <ac:spMkLst>
+            <pc:docMk/>
+            <pc:sldMk cId="1415835211" sldId="257"/>
+            <ac:spMk id="55" creationId="{F68B3F68-107C-434F-AA38-110D5EA91B85}"/>
+          </ac:spMkLst>
+        </pc:spChg>
+        <pc:spChg chg="add del">
+          <ac:chgData name="Pantea Namiranian" userId="98c570e01b77e13a" providerId="Windows Live" clId="Web-{FE861508-9F77-ED00-AF46-458EDD68B466}" dt="2025-05-18T20:46:48.685" v="356"/>
+          <ac:spMkLst>
+            <pc:docMk/>
+            <pc:sldMk cId="1415835211" sldId="257"/>
+            <ac:spMk id="57" creationId="{AAD0DBB9-1A4B-4391-81D4-CB19F9AB918A}"/>
+          </ac:spMkLst>
+        </pc:spChg>
+        <pc:spChg chg="add">
+          <ac:chgData name="Pantea Namiranian" userId="98c570e01b77e13a" providerId="Windows Live" clId="Web-{FE861508-9F77-ED00-AF46-458EDD68B466}" dt="2025-05-18T20:47:04.310" v="359"/>
+          <ac:spMkLst>
+            <pc:docMk/>
+            <pc:sldMk cId="1415835211" sldId="257"/>
+            <ac:spMk id="58" creationId="{257363FD-7E77-4145-9483-331A807ADF0E}"/>
+          </ac:spMkLst>
+        </pc:spChg>
+        <pc:spChg chg="add del">
+          <ac:chgData name="Pantea Namiranian" userId="98c570e01b77e13a" providerId="Windows Live" clId="Web-{FE861508-9F77-ED00-AF46-458EDD68B466}" dt="2025-05-18T20:46:48.685" v="356"/>
+          <ac:spMkLst>
+            <pc:docMk/>
+            <pc:sldMk cId="1415835211" sldId="257"/>
+            <ac:spMk id="59" creationId="{063BBA22-50EA-4C4D-BE05-F1CE4E63AA56}"/>
+          </ac:spMkLst>
+        </pc:spChg>
+        <pc:graphicFrameChg chg="mod modGraphic">
+          <ac:chgData name="Pantea Namiranian" userId="98c570e01b77e13a" providerId="Windows Live" clId="Web-{FE861508-9F77-ED00-AF46-458EDD68B466}" dt="2025-05-18T20:47:04.310" v="359"/>
+          <ac:graphicFrameMkLst>
+            <pc:docMk/>
+            <pc:sldMk cId="1415835211" sldId="257"/>
+            <ac:graphicFrameMk id="5" creationId="{3EC490B8-11B0-2E85-6DB6-1B9A1DFAA2D4}"/>
+          </ac:graphicFrameMkLst>
+        </pc:graphicFrameChg>
+        <pc:picChg chg="add del">
+          <ac:chgData name="Pantea Namiranian" userId="98c570e01b77e13a" providerId="Windows Live" clId="Web-{FE861508-9F77-ED00-AF46-458EDD68B466}" dt="2025-05-18T20:47:04.263" v="358"/>
+          <ac:picMkLst>
+            <pc:docMk/>
+            <pc:sldMk cId="1415835211" sldId="257"/>
+            <ac:picMk id="50" creationId="{20D35F1E-B299-E20C-41D8-DBFA71674614}"/>
+          </ac:picMkLst>
+        </pc:picChg>
+        <pc:picChg chg="add">
+          <ac:chgData name="Pantea Namiranian" userId="98c570e01b77e13a" providerId="Windows Live" clId="Web-{FE861508-9F77-ED00-AF46-458EDD68B466}" dt="2025-05-18T20:47:04.310" v="359"/>
+          <ac:picMkLst>
+            <pc:docMk/>
+            <pc:sldMk cId="1415835211" sldId="257"/>
+            <ac:picMk id="56" creationId="{7124C649-E197-E4DB-C5A9-D4DFB9FD532D}"/>
+          </ac:picMkLst>
+        </pc:picChg>
+      </pc:sldChg>
+      <pc:sldChg chg="addSp delSp modSp mod setBg setClrOvrMap modNotes">
+        <pc:chgData name="Pantea Namiranian" userId="98c570e01b77e13a" providerId="Windows Live" clId="Web-{FE861508-9F77-ED00-AF46-458EDD68B466}" dt="2025-05-18T22:05:12.493" v="462"/>
+        <pc:sldMkLst>
+          <pc:docMk/>
+          <pc:sldMk cId="1544337107" sldId="258"/>
+        </pc:sldMkLst>
+        <pc:spChg chg="mod">
+          <ac:chgData name="Pantea Namiranian" userId="98c570e01b77e13a" providerId="Windows Live" clId="Web-{FE861508-9F77-ED00-AF46-458EDD68B466}" dt="2025-05-18T20:48:11.092" v="362"/>
+          <ac:spMkLst>
+            <pc:docMk/>
+            <pc:sldMk cId="1544337107" sldId="258"/>
+            <ac:spMk id="2" creationId="{A54F0CAF-6F5C-0308-480E-F49D06DB6C63}"/>
+          </ac:spMkLst>
+        </pc:spChg>
+        <pc:spChg chg="add del">
+          <ac:chgData name="Pantea Namiranian" userId="98c570e01b77e13a" providerId="Windows Live" clId="Web-{FE861508-9F77-ED00-AF46-458EDD68B466}" dt="2025-05-18T20:48:11.092" v="362"/>
+          <ac:spMkLst>
+            <pc:docMk/>
+            <pc:sldMk cId="1544337107" sldId="258"/>
+            <ac:spMk id="53" creationId="{DB304A14-32D0-4873-B914-423ED7B8DAFD}"/>
+          </ac:spMkLst>
+        </pc:spChg>
+        <pc:spChg chg="add del">
+          <ac:chgData name="Pantea Namiranian" userId="98c570e01b77e13a" providerId="Windows Live" clId="Web-{FE861508-9F77-ED00-AF46-458EDD68B466}" dt="2025-05-18T20:48:11.092" v="362"/>
+          <ac:spMkLst>
+            <pc:docMk/>
+            <pc:sldMk cId="1544337107" sldId="258"/>
+            <ac:spMk id="54" creationId="{1D460C86-854F-4FB3-ABC2-E823D8FEB9DB}"/>
+          </ac:spMkLst>
+        </pc:spChg>
+        <pc:spChg chg="add del">
+          <ac:chgData name="Pantea Namiranian" userId="98c570e01b77e13a" providerId="Windows Live" clId="Web-{FE861508-9F77-ED00-AF46-458EDD68B466}" dt="2025-05-18T20:48:11.092" v="362"/>
+          <ac:spMkLst>
+            <pc:docMk/>
+            <pc:sldMk cId="1544337107" sldId="258"/>
+            <ac:spMk id="55" creationId="{BB48116A-278A-4CC5-89D3-9DE8E8FF1245}"/>
+          </ac:spMkLst>
+        </pc:spChg>
+        <pc:spChg chg="add">
+          <ac:chgData name="Pantea Namiranian" userId="98c570e01b77e13a" providerId="Windows Live" clId="Web-{FE861508-9F77-ED00-AF46-458EDD68B466}" dt="2025-05-18T20:48:11.092" v="362"/>
+          <ac:spMkLst>
+            <pc:docMk/>
+            <pc:sldMk cId="1544337107" sldId="258"/>
+            <ac:spMk id="179" creationId="{9228552E-C8B1-4A80-8448-0787CE0FC704}"/>
+          </ac:spMkLst>
+        </pc:spChg>
+        <pc:graphicFrameChg chg="mod modGraphic">
+          <ac:chgData name="Pantea Namiranian" userId="98c570e01b77e13a" providerId="Windows Live" clId="Web-{FE861508-9F77-ED00-AF46-458EDD68B466}" dt="2025-05-18T20:48:11.092" v="362"/>
+          <ac:graphicFrameMkLst>
+            <pc:docMk/>
+            <pc:sldMk cId="1544337107" sldId="258"/>
+            <ac:graphicFrameMk id="33" creationId="{98D4976B-75FB-5BED-CFE0-A5BFC0F8D188}"/>
+          </ac:graphicFrameMkLst>
+        </pc:graphicFrameChg>
+        <pc:picChg chg="del">
+          <ac:chgData name="Pantea Namiranian" userId="98c570e01b77e13a" providerId="Windows Live" clId="Web-{FE861508-9F77-ED00-AF46-458EDD68B466}" dt="2025-05-18T20:36:04.765" v="332"/>
+          <ac:picMkLst>
+            <pc:docMk/>
+            <pc:sldMk cId="1544337107" sldId="258"/>
+            <ac:picMk id="34" creationId="{55FB553A-3421-CCB2-7AE2-03B3E5896CCB}"/>
+          </ac:picMkLst>
+        </pc:picChg>
+        <pc:picChg chg="add mod ord">
+          <ac:chgData name="Pantea Namiranian" userId="98c570e01b77e13a" providerId="Windows Live" clId="Web-{FE861508-9F77-ED00-AF46-458EDD68B466}" dt="2025-05-18T20:48:11.092" v="362"/>
+          <ac:picMkLst>
+            <pc:docMk/>
+            <pc:sldMk cId="1544337107" sldId="258"/>
+            <ac:picMk id="174" creationId="{362098DC-FB49-1474-797B-464576C6A076}"/>
+          </ac:picMkLst>
+        </pc:picChg>
+      </pc:sldChg>
+      <pc:sldChg chg="addSp delSp modSp mod setClrOvrMap modNotes">
+        <pc:chgData name="Pantea Namiranian" userId="98c570e01b77e13a" providerId="Windows Live" clId="Web-{FE861508-9F77-ED00-AF46-458EDD68B466}" dt="2025-05-18T22:00:56.687" v="453"/>
+        <pc:sldMkLst>
+          <pc:docMk/>
+          <pc:sldMk cId="2010734872" sldId="259"/>
+        </pc:sldMkLst>
+        <pc:spChg chg="mod">
+          <ac:chgData name="Pantea Namiranian" userId="98c570e01b77e13a" providerId="Windows Live" clId="Web-{FE861508-9F77-ED00-AF46-458EDD68B466}" dt="2025-05-18T20:51:02.443" v="371"/>
+          <ac:spMkLst>
+            <pc:docMk/>
+            <pc:sldMk cId="2010734872" sldId="259"/>
+            <ac:spMk id="2" creationId="{45AEB05C-0C8C-6BCE-FF77-2DD538889EDC}"/>
+          </ac:spMkLst>
+        </pc:spChg>
+        <pc:spChg chg="add del mod ord">
+          <ac:chgData name="Pantea Namiranian" userId="98c570e01b77e13a" providerId="Windows Live" clId="Web-{FE861508-9F77-ED00-AF46-458EDD68B466}" dt="2025-05-18T20:50:36.373" v="370"/>
+          <ac:spMkLst>
+            <pc:docMk/>
+            <pc:sldMk cId="2010734872" sldId="259"/>
+            <ac:spMk id="3" creationId="{E8F944F0-46CC-99E7-D7A1-F0C906003C05}"/>
+          </ac:spMkLst>
+        </pc:spChg>
+        <pc:spChg chg="add del">
+          <ac:chgData name="Pantea Namiranian" userId="98c570e01b77e13a" providerId="Windows Live" clId="Web-{FE861508-9F77-ED00-AF46-458EDD68B466}" dt="2025-05-18T20:50:11.373" v="369"/>
+          <ac:spMkLst>
+            <pc:docMk/>
+            <pc:sldMk cId="2010734872" sldId="259"/>
+            <ac:spMk id="115" creationId="{88263A24-0C1F-4677-B43C-4AE14E276B27}"/>
+          </ac:spMkLst>
+        </pc:spChg>
+        <pc:spChg chg="add del">
+          <ac:chgData name="Pantea Namiranian" userId="98c570e01b77e13a" providerId="Windows Live" clId="Web-{FE861508-9F77-ED00-AF46-458EDD68B466}" dt="2025-05-18T20:50:11.373" v="369"/>
+          <ac:spMkLst>
+            <pc:docMk/>
+            <pc:sldMk cId="2010734872" sldId="259"/>
+            <ac:spMk id="116" creationId="{0ADDB668-2CA4-4D2B-9C34-3487CA330BA8}"/>
+          </ac:spMkLst>
+        </pc:spChg>
+        <pc:spChg chg="add del">
+          <ac:chgData name="Pantea Namiranian" userId="98c570e01b77e13a" providerId="Windows Live" clId="Web-{FE861508-9F77-ED00-AF46-458EDD68B466}" dt="2025-05-18T20:50:11.373" v="369"/>
+          <ac:spMkLst>
+            <pc:docMk/>
+            <pc:sldMk cId="2010734872" sldId="259"/>
+            <ac:spMk id="117" creationId="{2568BC19-F052-4108-93E1-6A3D1DEC072F}"/>
+          </ac:spMkLst>
+        </pc:spChg>
+        <pc:spChg chg="add del">
+          <ac:chgData name="Pantea Namiranian" userId="98c570e01b77e13a" providerId="Windows Live" clId="Web-{FE861508-9F77-ED00-AF46-458EDD68B466}" dt="2025-05-18T20:50:11.373" v="369"/>
+          <ac:spMkLst>
+            <pc:docMk/>
+            <pc:sldMk cId="2010734872" sldId="259"/>
+            <ac:spMk id="118" creationId="{D5FD337D-4D6B-4C8B-B6F5-121097E09881}"/>
+          </ac:spMkLst>
+        </pc:spChg>
+        <pc:spChg chg="add del">
+          <ac:chgData name="Pantea Namiranian" userId="98c570e01b77e13a" providerId="Windows Live" clId="Web-{FE861508-9F77-ED00-AF46-458EDD68B466}" dt="2025-05-18T20:49:42.326" v="364"/>
+          <ac:spMkLst>
+            <pc:docMk/>
+            <pc:sldMk cId="2010734872" sldId="259"/>
+            <ac:spMk id="123" creationId="{9228552E-C8B1-4A80-8448-0787CE0FC704}"/>
+          </ac:spMkLst>
+        </pc:spChg>
+        <pc:spChg chg="add del">
+          <ac:chgData name="Pantea Namiranian" userId="98c570e01b77e13a" providerId="Windows Live" clId="Web-{FE861508-9F77-ED00-AF46-458EDD68B466}" dt="2025-05-18T20:50:11.373" v="368"/>
+          <ac:spMkLst>
+            <pc:docMk/>
+            <pc:sldMk cId="2010734872" sldId="259"/>
+            <ac:spMk id="127" creationId="{BC4C4868-CB8F-4AF9-9CDB-8108F2C19B67}"/>
+          </ac:spMkLst>
+        </pc:spChg>
+        <pc:spChg chg="add del">
+          <ac:chgData name="Pantea Namiranian" userId="98c570e01b77e13a" providerId="Windows Live" clId="Web-{FE861508-9F77-ED00-AF46-458EDD68B466}" dt="2025-05-18T20:50:11.373" v="368"/>
+          <ac:spMkLst>
+            <pc:docMk/>
+            <pc:sldMk cId="2010734872" sldId="259"/>
+            <ac:spMk id="129" creationId="{375E0459-6403-40CD-989D-56A4407CA12E}"/>
+          </ac:spMkLst>
+        </pc:spChg>
+        <pc:spChg chg="add del">
+          <ac:chgData name="Pantea Namiranian" userId="98c570e01b77e13a" providerId="Windows Live" clId="Web-{FE861508-9F77-ED00-AF46-458EDD68B466}" dt="2025-05-18T20:49:52.186" v="366"/>
+          <ac:spMkLst>
+            <pc:docMk/>
+            <pc:sldMk cId="2010734872" sldId="259"/>
+            <ac:spMk id="130" creationId="{3BA513B0-82FF-4F41-8178-885375D1CFB5}"/>
+          </ac:spMkLst>
+        </pc:spChg>
+        <pc:spChg chg="add del">
+          <ac:chgData name="Pantea Namiranian" userId="98c570e01b77e13a" providerId="Windows Live" clId="Web-{FE861508-9F77-ED00-AF46-458EDD68B466}" dt="2025-05-18T20:50:11.373" v="368"/>
+          <ac:spMkLst>
+            <pc:docMk/>
+            <pc:sldMk cId="2010734872" sldId="259"/>
+            <ac:spMk id="131" creationId="{53E5B1A8-3AC9-4BD1-9BBC-78CA94F2D1BA}"/>
+          </ac:spMkLst>
+        </pc:spChg>
+        <pc:spChg chg="add del">
+          <ac:chgData name="Pantea Namiranian" userId="98c570e01b77e13a" providerId="Windows Live" clId="Web-{FE861508-9F77-ED00-AF46-458EDD68B466}" dt="2025-05-18T20:50:11.373" v="368"/>
+          <ac:spMkLst>
+            <pc:docMk/>
+            <pc:sldMk cId="2010734872" sldId="259"/>
+            <ac:spMk id="132" creationId="{1B15ED52-F352-441B-82BF-E0EA34836D08}"/>
+          </ac:spMkLst>
+        </pc:spChg>
+        <pc:spChg chg="add del">
+          <ac:chgData name="Pantea Namiranian" userId="98c570e01b77e13a" providerId="Windows Live" clId="Web-{FE861508-9F77-ED00-AF46-458EDD68B466}" dt="2025-05-18T20:51:02.443" v="371"/>
+          <ac:spMkLst>
+            <pc:docMk/>
+            <pc:sldMk cId="2010734872" sldId="259"/>
+            <ac:spMk id="135" creationId="{2596F992-698C-48C0-9D89-70DA4CE927EF}"/>
+          </ac:spMkLst>
+        </pc:spChg>
+        <pc:spChg chg="add del">
+          <ac:chgData name="Pantea Namiranian" userId="98c570e01b77e13a" providerId="Windows Live" clId="Web-{FE861508-9F77-ED00-AF46-458EDD68B466}" dt="2025-05-18T20:51:02.443" v="371"/>
+          <ac:spMkLst>
+            <pc:docMk/>
+            <pc:sldMk cId="2010734872" sldId="259"/>
+            <ac:spMk id="136" creationId="{E7BFF8DC-0AE7-4AD2-9B28-2E5F26D62C30}"/>
+          </ac:spMkLst>
+        </pc:spChg>
+        <pc:spChg chg="add del">
+          <ac:chgData name="Pantea Namiranian" userId="98c570e01b77e13a" providerId="Windows Live" clId="Web-{FE861508-9F77-ED00-AF46-458EDD68B466}" dt="2025-05-18T20:51:02.443" v="371"/>
+          <ac:spMkLst>
+            <pc:docMk/>
+            <pc:sldMk cId="2010734872" sldId="259"/>
+            <ac:spMk id="137" creationId="{7E0162AD-C6E5-4BF8-A453-76ADB36877D3}"/>
+          </ac:spMkLst>
+        </pc:spChg>
+        <pc:spChg chg="add">
+          <ac:chgData name="Pantea Namiranian" userId="98c570e01b77e13a" providerId="Windows Live" clId="Web-{FE861508-9F77-ED00-AF46-458EDD68B466}" dt="2025-05-18T20:51:02.443" v="371"/>
+          <ac:spMkLst>
+            <pc:docMk/>
+            <pc:sldMk cId="2010734872" sldId="259"/>
+            <ac:spMk id="142" creationId="{17BD7CC6-2F7F-4587-8E92-D041AB2CEB32}"/>
+          </ac:spMkLst>
+        </pc:spChg>
+        <pc:spChg chg="add">
+          <ac:chgData name="Pantea Namiranian" userId="98c570e01b77e13a" providerId="Windows Live" clId="Web-{FE861508-9F77-ED00-AF46-458EDD68B466}" dt="2025-05-18T20:51:02.443" v="371"/>
+          <ac:spMkLst>
+            <pc:docMk/>
+            <pc:sldMk cId="2010734872" sldId="259"/>
+            <ac:spMk id="144" creationId="{BE7ED1F4-19EF-4BC2-A6EA-DF1525142B28}"/>
+          </ac:spMkLst>
+        </pc:spChg>
+        <pc:spChg chg="add">
+          <ac:chgData name="Pantea Namiranian" userId="98c570e01b77e13a" providerId="Windows Live" clId="Web-{FE861508-9F77-ED00-AF46-458EDD68B466}" dt="2025-05-18T20:51:02.443" v="371"/>
+          <ac:spMkLst>
+            <pc:docMk/>
+            <pc:sldMk cId="2010734872" sldId="259"/>
+            <ac:spMk id="154" creationId="{A3919D60-F174-4FEB-9E9D-5AF6BD6597C9}"/>
+          </ac:spMkLst>
+        </pc:spChg>
+        <pc:spChg chg="add">
+          <ac:chgData name="Pantea Namiranian" userId="98c570e01b77e13a" providerId="Windows Live" clId="Web-{FE861508-9F77-ED00-AF46-458EDD68B466}" dt="2025-05-18T20:51:02.443" v="371"/>
+          <ac:spMkLst>
+            <pc:docMk/>
+            <pc:sldMk cId="2010734872" sldId="259"/>
+            <ac:spMk id="168" creationId="{90AE89EB-4F51-4181-9475-7E1048FB378A}"/>
+          </ac:spMkLst>
+        </pc:spChg>
+        <pc:grpChg chg="add del">
+          <ac:chgData name="Pantea Namiranian" userId="98c570e01b77e13a" providerId="Windows Live" clId="Web-{FE861508-9F77-ED00-AF46-458EDD68B466}" dt="2025-05-18T20:49:52.186" v="366"/>
+          <ac:grpSpMkLst>
+            <pc:docMk/>
+            <pc:sldMk cId="2010734872" sldId="259"/>
+            <ac:grpSpMk id="125" creationId="{93DB8501-F9F2-4ACD-B56A-9019CD5006D6}"/>
+          </ac:grpSpMkLst>
+        </pc:grpChg>
+        <pc:grpChg chg="add">
+          <ac:chgData name="Pantea Namiranian" userId="98c570e01b77e13a" providerId="Windows Live" clId="Web-{FE861508-9F77-ED00-AF46-458EDD68B466}" dt="2025-05-18T20:51:02.443" v="371"/>
+          <ac:grpSpMkLst>
+            <pc:docMk/>
+            <pc:sldMk cId="2010734872" sldId="259"/>
+            <ac:grpSpMk id="162" creationId="{C912E1BF-76C2-49D5-A5AC-1CE20255C4B6}"/>
+          </ac:grpSpMkLst>
+        </pc:grpChg>
+        <pc:picChg chg="del">
+          <ac:chgData name="Pantea Namiranian" userId="98c570e01b77e13a" providerId="Windows Live" clId="Web-{FE861508-9F77-ED00-AF46-458EDD68B466}" dt="2025-05-18T20:02:24.965" v="101"/>
+          <ac:picMkLst>
+            <pc:docMk/>
+            <pc:sldMk cId="2010734872" sldId="259"/>
+            <ac:picMk id="4" creationId="{10300FA6-6427-C1CB-34CA-A626F650D9E1}"/>
+          </ac:picMkLst>
+        </pc:picChg>
+        <pc:picChg chg="add mod ord">
+          <ac:chgData name="Pantea Namiranian" userId="98c570e01b77e13a" providerId="Windows Live" clId="Web-{FE861508-9F77-ED00-AF46-458EDD68B466}" dt="2025-05-18T20:51:02.443" v="371"/>
+          <ac:picMkLst>
+            <pc:docMk/>
+            <pc:sldMk cId="2010734872" sldId="259"/>
+            <ac:picMk id="5" creationId="{58CA99B9-0523-D033-05DD-B98551F104D6}"/>
+          </ac:picMkLst>
+        </pc:picChg>
+        <pc:picChg chg="del">
+          <ac:chgData name="Pantea Namiranian" userId="98c570e01b77e13a" providerId="Windows Live" clId="Web-{FE861508-9F77-ED00-AF46-458EDD68B466}" dt="2025-05-18T20:02:22.996" v="100"/>
+          <ac:picMkLst>
+            <pc:docMk/>
+            <pc:sldMk cId="2010734872" sldId="259"/>
+            <ac:picMk id="6" creationId="{9B6A2EA6-612B-4664-36CD-8C912BA54C26}"/>
+          </ac:picMkLst>
+        </pc:picChg>
+      </pc:sldChg>
+      <pc:sldChg chg="addSp delSp modSp ord modNotes">
+        <pc:chgData name="Pantea Namiranian" userId="98c570e01b77e13a" providerId="Windows Live" clId="Web-{FE861508-9F77-ED00-AF46-458EDD68B466}" dt="2025-05-18T20:53:13.995" v="388" actId="20577"/>
+        <pc:sldMkLst>
+          <pc:docMk/>
+          <pc:sldMk cId="3890561786" sldId="260"/>
+        </pc:sldMkLst>
+        <pc:spChg chg="mod">
+          <ac:chgData name="Pantea Namiranian" userId="98c570e01b77e13a" providerId="Windows Live" clId="Web-{FE861508-9F77-ED00-AF46-458EDD68B466}" dt="2025-05-18T20:53:13.995" v="388" actId="20577"/>
+          <ac:spMkLst>
+            <pc:docMk/>
+            <pc:sldMk cId="3890561786" sldId="260"/>
+            <ac:spMk id="2" creationId="{ADD63AA7-E103-4084-8C9C-0F64474A9446}"/>
+          </ac:spMkLst>
+        </pc:spChg>
+        <pc:spChg chg="mod">
+          <ac:chgData name="Pantea Namiranian" userId="98c570e01b77e13a" providerId="Windows Live" clId="Web-{FE861508-9F77-ED00-AF46-458EDD68B466}" dt="2025-05-18T20:53:07.151" v="387" actId="14100"/>
+          <ac:spMkLst>
+            <pc:docMk/>
+            <pc:sldMk cId="3890561786" sldId="260"/>
+            <ac:spMk id="3" creationId="{AC964D01-D508-C4D1-566A-6FED39EC8B20}"/>
+          </ac:spMkLst>
+        </pc:spChg>
+        <pc:spChg chg="add del">
+          <ac:chgData name="Pantea Namiranian" userId="98c570e01b77e13a" providerId="Windows Live" clId="Web-{FE861508-9F77-ED00-AF46-458EDD68B466}" dt="2025-05-18T20:52:22.507" v="374"/>
+          <ac:spMkLst>
+            <pc:docMk/>
+            <pc:sldMk cId="3890561786" sldId="260"/>
+            <ac:spMk id="6" creationId="{2EB492CD-616E-47F8-933B-5E2D952A0593}"/>
+          </ac:spMkLst>
+        </pc:spChg>
+        <pc:spChg chg="add del">
+          <ac:chgData name="Pantea Namiranian" userId="98c570e01b77e13a" providerId="Windows Live" clId="Web-{FE861508-9F77-ED00-AF46-458EDD68B466}" dt="2025-05-18T20:52:22.507" v="374"/>
+          <ac:spMkLst>
+            <pc:docMk/>
+            <pc:sldMk cId="3890561786" sldId="260"/>
+            <ac:spMk id="7" creationId="{59383CF9-23B5-4335-9B21-1791C4CF1C75}"/>
+          </ac:spMkLst>
+        </pc:spChg>
+        <pc:spChg chg="add del">
+          <ac:chgData name="Pantea Namiranian" userId="98c570e01b77e13a" providerId="Windows Live" clId="Web-{FE861508-9F77-ED00-AF46-458EDD68B466}" dt="2025-05-18T20:52:22.507" v="374"/>
+          <ac:spMkLst>
+            <pc:docMk/>
+            <pc:sldMk cId="3890561786" sldId="260"/>
+            <ac:spMk id="8" creationId="{0007FE00-9498-4706-B255-6437B0252C02}"/>
+          </ac:spMkLst>
+        </pc:spChg>
+        <pc:spChg chg="add">
+          <ac:chgData name="Pantea Namiranian" userId="98c570e01b77e13a" providerId="Windows Live" clId="Web-{FE861508-9F77-ED00-AF46-458EDD68B466}" dt="2025-05-18T20:52:22.507" v="375"/>
+          <ac:spMkLst>
+            <pc:docMk/>
+            <pc:sldMk cId="3890561786" sldId="260"/>
+            <ac:spMk id="10" creationId="{C0A1ED06-4733-4020-9C60-81D4D801408D}"/>
+          </ac:spMkLst>
+        </pc:spChg>
+        <pc:spChg chg="add">
+          <ac:chgData name="Pantea Namiranian" userId="98c570e01b77e13a" providerId="Windows Live" clId="Web-{FE861508-9F77-ED00-AF46-458EDD68B466}" dt="2025-05-18T20:52:22.507" v="375"/>
+          <ac:spMkLst>
+            <pc:docMk/>
+            <pc:sldMk cId="3890561786" sldId="260"/>
+            <ac:spMk id="12" creationId="{B0CA3509-3AF9-45FE-93ED-57BB5D5E8E07}"/>
+          </ac:spMkLst>
+        </pc:spChg>
+        <pc:spChg chg="del">
+          <ac:chgData name="Pantea Namiranian" userId="98c570e01b77e13a" providerId="Windows Live" clId="Web-{FE861508-9F77-ED00-AF46-458EDD68B466}" dt="2025-05-18T20:43:23.065" v="339"/>
+          <ac:spMkLst>
+            <pc:docMk/>
+            <pc:sldMk cId="3890561786" sldId="260"/>
+            <ac:spMk id="20" creationId="{C0A1ED06-4733-4020-9C60-81D4D801408D}"/>
+          </ac:spMkLst>
+        </pc:spChg>
+        <pc:spChg chg="del">
+          <ac:chgData name="Pantea Namiranian" userId="98c570e01b77e13a" providerId="Windows Live" clId="Web-{FE861508-9F77-ED00-AF46-458EDD68B466}" dt="2025-05-18T20:43:23.065" v="339"/>
+          <ac:spMkLst>
+            <pc:docMk/>
+            <pc:sldMk cId="3890561786" sldId="260"/>
+            <ac:spMk id="22" creationId="{B0CA3509-3AF9-45FE-93ED-57BB5D5E8E07}"/>
+          </ac:spMkLst>
+        </pc:spChg>
+        <pc:picChg chg="add mod ord">
+          <ac:chgData name="Pantea Namiranian" userId="98c570e01b77e13a" providerId="Windows Live" clId="Web-{FE861508-9F77-ED00-AF46-458EDD68B466}" dt="2025-05-18T20:52:22.507" v="375"/>
+          <ac:picMkLst>
+            <pc:docMk/>
+            <pc:sldMk cId="3890561786" sldId="260"/>
+            <ac:picMk id="4" creationId="{FE3CF1AD-BECC-41B4-8852-A17B51A80238}"/>
+          </ac:picMkLst>
+        </pc:picChg>
+        <pc:picChg chg="del">
+          <ac:chgData name="Pantea Namiranian" userId="98c570e01b77e13a" providerId="Windows Live" clId="Web-{FE861508-9F77-ED00-AF46-458EDD68B466}" dt="2025-05-18T20:43:10.674" v="337"/>
+          <ac:picMkLst>
+            <pc:docMk/>
+            <pc:sldMk cId="3890561786" sldId="260"/>
+            <ac:picMk id="5" creationId="{BAD1FE68-B4A7-2685-47E7-0E4E40CAA380}"/>
+          </ac:picMkLst>
+        </pc:picChg>
+      </pc:sldChg>
+      <pc:sldChg chg="addSp delSp modSp add replId modNotes">
+        <pc:chgData name="Pantea Namiranian" userId="98c570e01b77e13a" providerId="Windows Live" clId="Web-{FE861508-9F77-ED00-AF46-458EDD68B466}" dt="2025-05-18T22:01:08.469" v="455"/>
+        <pc:sldMkLst>
+          <pc:docMk/>
+          <pc:sldMk cId="1601296563" sldId="261"/>
+        </pc:sldMkLst>
+        <pc:spChg chg="mod">
+          <ac:chgData name="Pantea Namiranian" userId="98c570e01b77e13a" providerId="Windows Live" clId="Web-{FE861508-9F77-ED00-AF46-458EDD68B466}" dt="2025-05-18T20:53:40.042" v="389"/>
+          <ac:spMkLst>
+            <pc:docMk/>
+            <pc:sldMk cId="1601296563" sldId="261"/>
+            <ac:spMk id="2" creationId="{A208A486-235D-C4C5-8A08-54254360D290}"/>
+          </ac:spMkLst>
+        </pc:spChg>
+        <pc:spChg chg="del mod">
+          <ac:chgData name="Pantea Namiranian" userId="98c570e01b77e13a" providerId="Windows Live" clId="Web-{FE861508-9F77-ED00-AF46-458EDD68B466}" dt="2025-05-18T20:54:55.026" v="390"/>
+          <ac:spMkLst>
+            <pc:docMk/>
+            <pc:sldMk cId="1601296563" sldId="261"/>
+            <ac:spMk id="3" creationId="{03BD0E5D-ED2B-F5F6-33DA-127139D23F33}"/>
+          </ac:spMkLst>
+        </pc:spChg>
+        <pc:spChg chg="del">
+          <ac:chgData name="Pantea Namiranian" userId="98c570e01b77e13a" providerId="Windows Live" clId="Web-{FE861508-9F77-ED00-AF46-458EDD68B466}" dt="2025-05-18T20:53:40.042" v="389"/>
+          <ac:spMkLst>
+            <pc:docMk/>
+            <pc:sldMk cId="1601296563" sldId="261"/>
+            <ac:spMk id="115" creationId="{F331E89C-AA2A-9CCC-449B-D5640EE5928F}"/>
+          </ac:spMkLst>
+        </pc:spChg>
+        <pc:spChg chg="del">
+          <ac:chgData name="Pantea Namiranian" userId="98c570e01b77e13a" providerId="Windows Live" clId="Web-{FE861508-9F77-ED00-AF46-458EDD68B466}" dt="2025-05-18T20:53:40.042" v="389"/>
+          <ac:spMkLst>
+            <pc:docMk/>
+            <pc:sldMk cId="1601296563" sldId="261"/>
+            <ac:spMk id="116" creationId="{FDF4A5D4-DA30-1AD5-71DE-1BB9E4A7EB9C}"/>
+          </ac:spMkLst>
+        </pc:spChg>
+        <pc:spChg chg="del">
+          <ac:chgData name="Pantea Namiranian" userId="98c570e01b77e13a" providerId="Windows Live" clId="Web-{FE861508-9F77-ED00-AF46-458EDD68B466}" dt="2025-05-18T20:53:40.042" v="389"/>
+          <ac:spMkLst>
+            <pc:docMk/>
+            <pc:sldMk cId="1601296563" sldId="261"/>
+            <ac:spMk id="117" creationId="{C4491967-53FE-52DA-D295-14C1147CEAB2}"/>
+          </ac:spMkLst>
+        </pc:spChg>
+        <pc:spChg chg="del">
+          <ac:chgData name="Pantea Namiranian" userId="98c570e01b77e13a" providerId="Windows Live" clId="Web-{FE861508-9F77-ED00-AF46-458EDD68B466}" dt="2025-05-18T20:53:40.042" v="389"/>
+          <ac:spMkLst>
+            <pc:docMk/>
+            <pc:sldMk cId="1601296563" sldId="261"/>
+            <ac:spMk id="118" creationId="{DCFBF39E-B003-2771-AEB6-2D3C95DD39A7}"/>
+          </ac:spMkLst>
+        </pc:spChg>
+        <pc:spChg chg="add">
+          <ac:chgData name="Pantea Namiranian" userId="98c570e01b77e13a" providerId="Windows Live" clId="Web-{FE861508-9F77-ED00-AF46-458EDD68B466}" dt="2025-05-18T20:53:40.042" v="389"/>
+          <ac:spMkLst>
+            <pc:docMk/>
+            <pc:sldMk cId="1601296563" sldId="261"/>
+            <ac:spMk id="124" creationId="{9F7D5CDA-D291-4307-BF55-1381FED29634}"/>
+          </ac:spMkLst>
+        </pc:spChg>
+        <pc:graphicFrameChg chg="add">
+          <ac:chgData name="Pantea Namiranian" userId="98c570e01b77e13a" providerId="Windows Live" clId="Web-{FE861508-9F77-ED00-AF46-458EDD68B466}" dt="2025-05-18T20:54:55.026" v="390"/>
+          <ac:graphicFrameMkLst>
+            <pc:docMk/>
+            <pc:sldMk cId="1601296563" sldId="261"/>
+            <ac:graphicFrameMk id="126" creationId="{211DFE13-99DE-4B97-E5E4-A33C516DD803}"/>
+          </ac:graphicFrameMkLst>
+        </pc:graphicFrameChg>
+        <pc:picChg chg="add">
+          <ac:chgData name="Pantea Namiranian" userId="98c570e01b77e13a" providerId="Windows Live" clId="Web-{FE861508-9F77-ED00-AF46-458EDD68B466}" dt="2025-05-18T20:53:40.042" v="389"/>
+          <ac:picMkLst>
+            <pc:docMk/>
+            <pc:sldMk cId="1601296563" sldId="261"/>
+            <ac:picMk id="120" creationId="{91F42DF6-8FF7-1316-3F75-421B8427DEDE}"/>
+          </ac:picMkLst>
+        </pc:picChg>
+      </pc:sldChg>
+      <pc:sldChg chg="addSp delSp modSp new mod setBg modNotes">
+        <pc:chgData name="Pantea Namiranian" userId="98c570e01b77e13a" providerId="Windows Live" clId="Web-{FE861508-9F77-ED00-AF46-458EDD68B466}" dt="2025-05-18T22:03:12.489" v="460" actId="20577"/>
+        <pc:sldMkLst>
+          <pc:docMk/>
+          <pc:sldMk cId="3156627446" sldId="262"/>
+        </pc:sldMkLst>
+        <pc:spChg chg="mod">
+          <ac:chgData name="Pantea Namiranian" userId="98c570e01b77e13a" providerId="Windows Live" clId="Web-{FE861508-9F77-ED00-AF46-458EDD68B466}" dt="2025-05-18T20:56:29.604" v="407"/>
+          <ac:spMkLst>
+            <pc:docMk/>
+            <pc:sldMk cId="3156627446" sldId="262"/>
+            <ac:spMk id="2" creationId="{D9C980C8-8F0A-5513-2E01-6475B4200740}"/>
+          </ac:spMkLst>
+        </pc:spChg>
+        <pc:spChg chg="mod">
+          <ac:chgData name="Pantea Namiranian" userId="98c570e01b77e13a" providerId="Windows Live" clId="Web-{FE861508-9F77-ED00-AF46-458EDD68B466}" dt="2025-05-18T22:03:12.489" v="460" actId="20577"/>
+          <ac:spMkLst>
+            <pc:docMk/>
+            <pc:sldMk cId="3156627446" sldId="262"/>
+            <ac:spMk id="3" creationId="{9F3AC12D-AFAD-3F52-C4D5-7BD2E0EE46FB}"/>
+          </ac:spMkLst>
+        </pc:spChg>
+        <pc:spChg chg="add del">
+          <ac:chgData name="Pantea Namiranian" userId="98c570e01b77e13a" providerId="Windows Live" clId="Web-{FE861508-9F77-ED00-AF46-458EDD68B466}" dt="2025-05-18T20:56:29.589" v="406"/>
+          <ac:spMkLst>
+            <pc:docMk/>
+            <pc:sldMk cId="3156627446" sldId="262"/>
+            <ac:spMk id="8" creationId="{E38F5530-DA31-4B62-8DF9-56A1A3B6B614}"/>
+          </ac:spMkLst>
+        </pc:spChg>
+        <pc:spChg chg="add">
+          <ac:chgData name="Pantea Namiranian" userId="98c570e01b77e13a" providerId="Windows Live" clId="Web-{FE861508-9F77-ED00-AF46-458EDD68B466}" dt="2025-05-18T20:56:29.604" v="407"/>
+          <ac:spMkLst>
+            <pc:docMk/>
+            <pc:sldMk cId="3156627446" sldId="262"/>
+            <ac:spMk id="9" creationId="{3ECBE1F1-D69B-4AFA-ABD5-8E41720EF6DE}"/>
+          </ac:spMkLst>
+        </pc:spChg>
+        <pc:spChg chg="add del">
+          <ac:chgData name="Pantea Namiranian" userId="98c570e01b77e13a" providerId="Windows Live" clId="Web-{FE861508-9F77-ED00-AF46-458EDD68B466}" dt="2025-05-18T20:56:29.589" v="406"/>
+          <ac:spMkLst>
+            <pc:docMk/>
+            <pc:sldMk cId="3156627446" sldId="262"/>
+            <ac:spMk id="10" creationId="{4AEFAF95-013F-4375-AAF4-033AC93F5550}"/>
+          </ac:spMkLst>
+        </pc:spChg>
+        <pc:spChg chg="add">
+          <ac:chgData name="Pantea Namiranian" userId="98c570e01b77e13a" providerId="Windows Live" clId="Web-{FE861508-9F77-ED00-AF46-458EDD68B466}" dt="2025-05-18T20:56:29.604" v="407"/>
+          <ac:spMkLst>
+            <pc:docMk/>
+            <pc:sldMk cId="3156627446" sldId="262"/>
+            <ac:spMk id="11" creationId="{603A6265-E10C-4B85-9C20-E75FCAF9CC63}"/>
+          </ac:spMkLst>
+        </pc:spChg>
+        <pc:spChg chg="add del">
+          <ac:chgData name="Pantea Namiranian" userId="98c570e01b77e13a" providerId="Windows Live" clId="Web-{FE861508-9F77-ED00-AF46-458EDD68B466}" dt="2025-05-18T20:56:29.589" v="406"/>
+          <ac:spMkLst>
+            <pc:docMk/>
+            <pc:sldMk cId="3156627446" sldId="262"/>
+            <ac:spMk id="20" creationId="{FBB336D1-2562-4680-B29B-E22C603C0ED9}"/>
+          </ac:spMkLst>
+        </pc:spChg>
+        <pc:spChg chg="add del">
+          <ac:chgData name="Pantea Namiranian" userId="98c570e01b77e13a" providerId="Windows Live" clId="Web-{FE861508-9F77-ED00-AF46-458EDD68B466}" dt="2025-05-18T20:56:29.589" v="406"/>
+          <ac:spMkLst>
+            <pc:docMk/>
+            <pc:sldMk cId="3156627446" sldId="262"/>
+            <ac:spMk id="28" creationId="{B4806F9C-3233-4FC3-B300-D5AA58A5CD8F}"/>
+          </ac:spMkLst>
+        </pc:spChg>
+        <pc:grpChg chg="add del">
+          <ac:chgData name="Pantea Namiranian" userId="98c570e01b77e13a" providerId="Windows Live" clId="Web-{FE861508-9F77-ED00-AF46-458EDD68B466}" dt="2025-05-18T20:56:29.589" v="406"/>
+          <ac:grpSpMkLst>
+            <pc:docMk/>
+            <pc:sldMk cId="3156627446" sldId="262"/>
+            <ac:grpSpMk id="12" creationId="{68735E28-7236-42D8-A5E1-A0F302FE879A}"/>
+          </ac:grpSpMkLst>
+        </pc:grpChg>
+        <pc:grpChg chg="add del">
+          <ac:chgData name="Pantea Namiranian" userId="98c570e01b77e13a" providerId="Windows Live" clId="Web-{FE861508-9F77-ED00-AF46-458EDD68B466}" dt="2025-05-18T20:56:29.589" v="406"/>
+          <ac:grpSpMkLst>
+            <pc:docMk/>
+            <pc:sldMk cId="3156627446" sldId="262"/>
+            <ac:grpSpMk id="22" creationId="{9EED3885-4010-4FBE-A045-DC59CAE78290}"/>
+          </ac:grpSpMkLst>
+        </pc:grpChg>
+        <pc:grpChg chg="add del">
+          <ac:chgData name="Pantea Namiranian" userId="98c570e01b77e13a" providerId="Windows Live" clId="Web-{FE861508-9F77-ED00-AF46-458EDD68B466}" dt="2025-05-18T20:56:29.589" v="406"/>
+          <ac:grpSpMkLst>
+            <pc:docMk/>
+            <pc:sldMk cId="3156627446" sldId="262"/>
+            <ac:grpSpMk id="30" creationId="{70E3F9FC-BB7B-433D-8A4F-1BCFA582E019}"/>
+          </ac:grpSpMkLst>
+        </pc:grpChg>
+        <pc:picChg chg="add">
+          <ac:chgData name="Pantea Namiranian" userId="98c570e01b77e13a" providerId="Windows Live" clId="Web-{FE861508-9F77-ED00-AF46-458EDD68B466}" dt="2025-05-18T20:56:29.604" v="407"/>
+          <ac:picMkLst>
+            <pc:docMk/>
+            <pc:sldMk cId="3156627446" sldId="262"/>
+            <ac:picMk id="5" creationId="{D98F2ACA-B0D6-4361-24A1-74267DA54D49}"/>
+          </ac:picMkLst>
+        </pc:picChg>
+      </pc:sldChg>
+    </pc:docChg>
+  </pc:docChgLst>
+</pc:chgInfo>
 </file>
 
 <file path=ppt/diagrams/colors1.xml><?xml version="1.0" encoding="utf-8"?>
@@ -8932,7 +10639,7 @@
           <a:p>
             <a:r>
               <a:rPr lang="en-US"/>
-              <a:t>[Describe the overall structure]</a:t>
+              <a:t>The overall structure</a:t>
             </a:r>
           </a:p>
           <a:p>
@@ -8941,8 +10648,46 @@
               <a:buChar char="•"/>
             </a:pPr>
             <a:r>
-              <a:rPr lang="en-US" dirty="0"/>
-              <a:t>"The application is structured using React components, with a main App.js file that sets up routing for different pages."</a:t>
+              <a:rPr lang="en-US"/>
+              <a:t>The application is structured using React components, with a main App.js file that sets up routing for different pages.</a:t>
+            </a:r>
+            <a:endParaRPr lang="en-US">
+              <a:ea typeface="Calibri"/>
+              <a:cs typeface="Calibri"/>
+            </a:endParaRPr>
+          </a:p>
+          <a:p>
+            <a:endParaRPr lang="en-US" dirty="0">
+              <a:ea typeface="Calibri" panose="020F0502020204030204"/>
+              <a:cs typeface="Calibri" panose="020F0502020204030204"/>
+            </a:endParaRPr>
+          </a:p>
+          <a:p>
+            <a:r>
+              <a:rPr lang="en-US"/>
+              <a:t>Explain the use of React Router</a:t>
+            </a:r>
+            <a:endParaRPr lang="en-US">
+              <a:ea typeface="Calibri" panose="020F0502020204030204"/>
+              <a:cs typeface="Calibri" panose="020F0502020204030204"/>
+            </a:endParaRPr>
+          </a:p>
+          <a:p>
+            <a:pPr>
+              <a:buFont typeface="Arial"/>
+              <a:buChar char="•"/>
+            </a:pPr>
+            <a:r>
+              <a:rPr lang="en-US"/>
+              <a:t>I utilized React Router to manage navigation between components, allowing users to switch seamlessly between the </a:t>
+            </a:r>
+            <a:r>
+              <a:rPr lang="en-US" err="1"/>
+              <a:t>StreamList</a:t>
+            </a:r>
+            <a:r>
+              <a:rPr lang="en-US"/>
+              <a:t>, Movies, Cart, and About pages.</a:t>
             </a:r>
             <a:endParaRPr lang="en-US" dirty="0">
               <a:ea typeface="Calibri"/>
@@ -8950,49 +10695,6 @@
             </a:endParaRPr>
           </a:p>
           <a:p>
-            <a:pPr>
-              <a:buFont typeface="Arial"/>
-              <a:buChar char="•"/>
-            </a:pPr>
-            <a:endParaRPr lang="en-US" dirty="0"/>
-          </a:p>
-          <a:p>
-            <a:r>
-              <a:rPr lang="en-US"/>
-              <a:t>[Explain the use of React Router]</a:t>
-            </a:r>
-            <a:endParaRPr lang="en-US">
-              <a:ea typeface="Calibri" panose="020F0502020204030204"/>
-              <a:cs typeface="Calibri" panose="020F0502020204030204"/>
-            </a:endParaRPr>
-          </a:p>
-          <a:p>
-            <a:pPr>
-              <a:buFont typeface="Arial"/>
-              <a:buChar char="•"/>
-            </a:pPr>
-            <a:r>
-              <a:rPr lang="en-US" dirty="0"/>
-              <a:t>"I utilized React Router to manage navigation between components, allowing users to switch seamlessly between the </a:t>
-            </a:r>
-            <a:r>
-              <a:rPr lang="en-US" dirty="0" err="1"/>
-              <a:t>StreamList</a:t>
-            </a:r>
-            <a:r>
-              <a:rPr lang="en-US" dirty="0"/>
-              <a:t>, Movies, Cart, and About pages."</a:t>
-            </a:r>
-            <a:endParaRPr lang="en-US" dirty="0">
-              <a:ea typeface="Calibri"/>
-              <a:cs typeface="Calibri"/>
-            </a:endParaRPr>
-          </a:p>
-          <a:p>
-            <a:pPr marL="171450" indent="-171450">
-              <a:buFont typeface="Arial"/>
-              <a:buChar char="•"/>
-            </a:pPr>
             <a:endParaRPr lang="en-US" dirty="0">
               <a:ea typeface="Calibri"/>
               <a:cs typeface="Calibri"/>
@@ -9081,50 +10783,82 @@
           <a:p>
             <a:r>
               <a:rPr lang="en-US"/>
-              <a:t>[StreamList Page (Homepage)]</a:t>
+              <a:t>StreamList Page (Homepage)</a:t>
             </a:r>
           </a:p>
           <a:p>
+            <a:pPr marL="171450" indent="-171450">
+              <a:buFont typeface="Arial"/>
+              <a:buChar char="•"/>
+            </a:pPr>
             <a:r>
               <a:rPr lang="en-US"/>
-              <a:t>"The StreamList component serves as the homepage. It includes a form where users can enter the title of a movie. When submitted, the input is logged to the console."</a:t>
+              <a:t>The StreamList component serves as the homepage. It includes a form where users can enter the title of a movie. When submitted, the input is logged to the console.</a:t>
             </a:r>
+            <a:endParaRPr lang="en-US">
+              <a:ea typeface="Calibri" panose="020F0502020204030204"/>
+              <a:cs typeface="Calibri" panose="020F0502020204030204"/>
+            </a:endParaRPr>
           </a:p>
           <a:p>
             <a:r>
               <a:rPr lang="en-US"/>
-              <a:t>[Movies Page]</a:t>
+              <a:t>Movies Page</a:t>
             </a:r>
           </a:p>
           <a:p>
+            <a:pPr marL="171450" indent="-171450">
+              <a:buFont typeface="Arial"/>
+              <a:buChar char="•"/>
+            </a:pPr>
             <a:r>
               <a:rPr lang="en-US"/>
-              <a:t>"The Movies page is planned for Week 4 and currently does not contain any data. It will be developed further to display movie-related information."</a:t>
+              <a:t>The Movies page is planned for Week 4 and currently does not contain any data. It will be developed further to display movie-related information.</a:t>
             </a:r>
+            <a:endParaRPr lang="en-US">
+              <a:ea typeface="Calibri" panose="020F0502020204030204"/>
+              <a:cs typeface="Calibri" panose="020F0502020204030204"/>
+            </a:endParaRPr>
           </a:p>
           <a:p>
             <a:r>
               <a:rPr lang="en-US"/>
-              <a:t>[Cart Page]</a:t>
+              <a:t>Cart Page</a:t>
             </a:r>
           </a:p>
           <a:p>
+            <a:pPr marL="171450" indent="-171450">
+              <a:buFont typeface="Arial"/>
+              <a:buChar char="•"/>
+            </a:pPr>
             <a:r>
               <a:rPr lang="en-US"/>
-              <a:t>"Similarly, the Cart page will also be built in Week 4 and will not contain any data yet."</a:t>
+              <a:t>Similarly, the Cart page will also be built in Week 4 and will not contain any data yet.</a:t>
             </a:r>
+            <a:endParaRPr lang="en-US">
+              <a:ea typeface="Calibri" panose="020F0502020204030204"/>
+              <a:cs typeface="Calibri" panose="020F0502020204030204"/>
+            </a:endParaRPr>
           </a:p>
           <a:p>
             <a:r>
               <a:rPr lang="en-US"/>
-              <a:t>[About Page]</a:t>
+              <a:t>About Page</a:t>
             </a:r>
           </a:p>
           <a:p>
+            <a:pPr marL="171450" indent="-171450">
+              <a:buFont typeface="Arial"/>
+              <a:buChar char="•"/>
+            </a:pPr>
             <a:r>
               <a:rPr lang="en-US"/>
-              <a:t>"The About page is set for development in Week 5 and will provide information about the application."</a:t>
+              <a:t>The About page is set for development in Week 5 and will provide information about the application.</a:t>
             </a:r>
+            <a:endParaRPr lang="en-US">
+              <a:ea typeface="Calibri" panose="020F0502020204030204"/>
+              <a:cs typeface="Calibri" panose="020F0502020204030204"/>
+            </a:endParaRPr>
           </a:p>
           <a:p>
             <a:endParaRPr lang="en-US" dirty="0">
@@ -9318,15 +11052,18 @@
           <a:bodyPr/>
           <a:lstStyle/>
           <a:p>
-            <a:pPr marL="285750" indent="-285750">
-              <a:buFont typeface="Arial,Sans-Serif"/>
+            <a:pPr marL="171450" indent="-171450">
+              <a:buFont typeface="Arial"/>
               <a:buChar char="•"/>
             </a:pPr>
             <a:r>
               <a:rPr lang="en-US"/>
-              <a:t>[Outline the steps taken]</a:t>
+              <a:t>The steps taken</a:t>
             </a:r>
-            <a:endParaRPr lang="en-US" dirty="0"/>
+            <a:endParaRPr lang="en-US" dirty="0">
+              <a:ea typeface="Calibri" panose="020F0502020204030204"/>
+              <a:cs typeface="Calibri" panose="020F0502020204030204"/>
+            </a:endParaRPr>
           </a:p>
           <a:p>
             <a:pPr marL="914400" lvl="1" indent="-457200">
@@ -9340,15 +11077,18 @@
             <a:endParaRPr lang="en-US" dirty="0"/>
           </a:p>
           <a:p>
-            <a:pPr marL="457200" indent="-457200">
-              <a:buFont typeface="Arial,Sans-Serif"/>
+            <a:pPr marL="171450" indent="-171450">
+              <a:buFont typeface="Arial"/>
               <a:buChar char="•"/>
             </a:pPr>
             <a:r>
               <a:rPr lang="en-US"/>
               <a:t>Mention challenges faced</a:t>
             </a:r>
-            <a:endParaRPr lang="en-US" dirty="0"/>
+            <a:endParaRPr lang="en-US" dirty="0">
+              <a:ea typeface="Calibri" panose="020F0502020204030204"/>
+              <a:cs typeface="Calibri" panose="020F0502020204030204"/>
+            </a:endParaRPr>
           </a:p>
           <a:p>
             <a:pPr marL="914400" lvl="1" indent="-457200">
@@ -9508,7 +11248,17 @@
           <a:p>
             <a:r>
               <a:rPr lang="en-US"/>
-              <a:t>Also, you can find the complete code for the StreamList application in my GitHub repository at [GitHub Repository Link]."</a:t>
+              <a:t>Also, you can find the complete code for the StreamList application in my GitHub repository at [</a:t>
+            </a:r>
+            <a:r>
+              <a:rPr lang="en-US" dirty="0">
+                <a:hlinkClick r:id="rId3"/>
+              </a:rPr>
+              <a:t>GitHub Repository Link</a:t>
+            </a:r>
+            <a:r>
+              <a:rPr lang="en-US"/>
+              <a:t>].</a:t>
             </a:r>
           </a:p>
           <a:p>
@@ -9520,7 +11270,7 @@
           <a:p>
             <a:r>
               <a:rPr lang="en-US"/>
-              <a:t>"I will ensure to upload the video presentation showcasing the functionality of the StreamList app, along with the GitHub URL for review.</a:t>
+              <a:t>I will ensure to upload the video presentation showcasing the functionality of the StreamList app, along with the GitHub URL for review.</a:t>
             </a:r>
           </a:p>
           <a:p>
@@ -16052,7 +17802,7 @@
               <a:t>[</a:t>
             </a:r>
             <a:r>
-              <a:rPr lang="en-US" sz="2000">
+              <a:rPr lang="en-US" sz="2000" dirty="0">
                 <a:ea typeface="+mn-lt"/>
                 <a:cs typeface="+mn-lt"/>
                 <a:hlinkClick r:id="rId4"/>
